--- a/Github presentation.pptx
+++ b/Github presentation.pptx
@@ -272,7 +272,7 @@
       </p:grpSpPr>
       <p:sp>
         <p:nvSpPr>
-          <p:cNvPr id="606732431" name="Google Shape;3;n"/>
+          <p:cNvPr id="720572220" name="Google Shape;3;n"/>
           <p:cNvSpPr/>
           <p:nvPr>
             <p:ph type="sldImg" idx="2"/>
@@ -321,7 +321,7 @@
       </p:sp>
       <p:sp>
         <p:nvSpPr>
-          <p:cNvPr id="395923930" name="Google Shape;4;n"/>
+          <p:cNvPr id="1339961313" name="Google Shape;4;n"/>
           <p:cNvSpPr txBox="1"/>
           <p:nvPr>
             <p:ph type="body" idx="1"/>
@@ -698,7 +698,7 @@
       </p:grpSpPr>
       <p:sp>
         <p:nvSpPr>
-          <p:cNvPr id="2053583610" name="Google Shape;132;g110c578fab6_0_0:notes"/>
+          <p:cNvPr id="725949248" name="Google Shape;132;g110c578fab6_0_0:notes"/>
           <p:cNvSpPr/>
           <p:nvPr>
             <p:ph type="sldImg" idx="2"/>
@@ -737,7 +737,7 @@
       </p:sp>
       <p:sp>
         <p:nvSpPr>
-          <p:cNvPr id="1208539827" name="Google Shape;133;g110c578fab6_0_0:notes"/>
+          <p:cNvPr id="100126421" name="Google Shape;133;g110c578fab6_0_0:notes"/>
           <p:cNvSpPr txBox="1"/>
           <p:nvPr>
             <p:ph type="body" idx="1"/>
@@ -799,7 +799,7 @@
       </p:grpSpPr>
       <p:sp>
         <p:nvSpPr>
-          <p:cNvPr id="1717784423" name="Google Shape;203;g287182eb427_1_35:notes"/>
+          <p:cNvPr id="867394888" name="Google Shape;203;g287182eb427_1_35:notes"/>
           <p:cNvSpPr/>
           <p:nvPr>
             <p:ph type="sldImg" idx="2"/>
@@ -838,7 +838,7 @@
       </p:sp>
       <p:sp>
         <p:nvSpPr>
-          <p:cNvPr id="1431283111" name="Google Shape;204;g287182eb427_1_35:notes"/>
+          <p:cNvPr id="1499326129" name="Google Shape;204;g287182eb427_1_35:notes"/>
           <p:cNvSpPr txBox="1"/>
           <p:nvPr>
             <p:ph type="body" idx="1"/>
@@ -900,7 +900,7 @@
       </p:grpSpPr>
       <p:sp>
         <p:nvSpPr>
-          <p:cNvPr id="2" name="Slide Image Placeholder 1"/>
+          <p:cNvPr id="1873174141" name="Slide Image Placeholder 1"/>
           <p:cNvSpPr>
             <a:spLocks noChangeAspect="1" noGrp="1" noRot="1"/>
           </p:cNvSpPr>
@@ -912,7 +912,7 @@
       </p:sp>
       <p:sp>
         <p:nvSpPr>
-          <p:cNvPr id="3" name="Notes Placeholder 2"/>
+          <p:cNvPr id="604210264" name="Notes Placeholder 2"/>
           <p:cNvSpPr>
             <a:spLocks noGrp="1"/>
           </p:cNvSpPr>
@@ -934,7 +934,7 @@
       </p:sp>
       <p:sp>
         <p:nvSpPr>
-          <p:cNvPr id="4" name="Slide Number Placeholder 3"/>
+          <p:cNvPr id="2183540" name="Slide Number Placeholder 3"/>
           <p:cNvSpPr>
             <a:spLocks noGrp="1"/>
           </p:cNvSpPr>
@@ -985,7 +985,7 @@
       </p:grpSpPr>
       <p:sp>
         <p:nvSpPr>
-          <p:cNvPr id="2" name="Slide Image Placeholder 1"/>
+          <p:cNvPr id="1182227390" name="Slide Image Placeholder 1"/>
           <p:cNvSpPr>
             <a:spLocks noChangeAspect="1" noGrp="1" noRot="1"/>
           </p:cNvSpPr>
@@ -997,7 +997,7 @@
       </p:sp>
       <p:sp>
         <p:nvSpPr>
-          <p:cNvPr id="3" name="Notes Placeholder 2"/>
+          <p:cNvPr id="21296491" name="Notes Placeholder 2"/>
           <p:cNvSpPr>
             <a:spLocks noGrp="1"/>
           </p:cNvSpPr>
@@ -1019,7 +1019,7 @@
       </p:sp>
       <p:sp>
         <p:nvSpPr>
-          <p:cNvPr id="4" name="Slide Number Placeholder 3"/>
+          <p:cNvPr id="1774068805" name="Slide Number Placeholder 3"/>
           <p:cNvSpPr>
             <a:spLocks noGrp="1"/>
           </p:cNvSpPr>
@@ -1070,7 +1070,7 @@
       </p:grpSpPr>
       <p:sp>
         <p:nvSpPr>
-          <p:cNvPr id="1650759768" name="Google Shape;223;g287182eb427_1_60:notes"/>
+          <p:cNvPr id="785461405" name="Google Shape;223;g287182eb427_1_60:notes"/>
           <p:cNvSpPr/>
           <p:nvPr>
             <p:ph type="sldImg" idx="2"/>
@@ -1109,7 +1109,7 @@
       </p:sp>
       <p:sp>
         <p:nvSpPr>
-          <p:cNvPr id="140848645" name="Google Shape;224;g287182eb427_1_60:notes"/>
+          <p:cNvPr id="1013268321" name="Google Shape;224;g287182eb427_1_60:notes"/>
           <p:cNvSpPr txBox="1"/>
           <p:nvPr>
             <p:ph type="body" idx="1"/>
@@ -1171,7 +1171,7 @@
       </p:grpSpPr>
       <p:sp>
         <p:nvSpPr>
-          <p:cNvPr id="1276414389" name="Google Shape;231;g287182eb427_1_69:notes"/>
+          <p:cNvPr id="212619927" name="Google Shape;231;g287182eb427_1_69:notes"/>
           <p:cNvSpPr/>
           <p:nvPr>
             <p:ph type="sldImg" idx="2"/>
@@ -1210,7 +1210,7 @@
       </p:sp>
       <p:sp>
         <p:nvSpPr>
-          <p:cNvPr id="1926530593" name="Google Shape;232;g287182eb427_1_69:notes"/>
+          <p:cNvPr id="1600442298" name="Google Shape;232;g287182eb427_1_69:notes"/>
           <p:cNvSpPr txBox="1"/>
           <p:nvPr>
             <p:ph type="body" idx="1"/>
@@ -1272,7 +1272,7 @@
       </p:grpSpPr>
       <p:sp>
         <p:nvSpPr>
-          <p:cNvPr id="2125115071" name="Google Shape;239;g287182eb427_1_78:notes"/>
+          <p:cNvPr id="1504484178" name="Google Shape;239;g287182eb427_1_78:notes"/>
           <p:cNvSpPr/>
           <p:nvPr>
             <p:ph type="sldImg" idx="2"/>
@@ -1311,7 +1311,7 @@
       </p:sp>
       <p:sp>
         <p:nvSpPr>
-          <p:cNvPr id="1556222863" name="Google Shape;240;g287182eb427_1_78:notes"/>
+          <p:cNvPr id="1513693109" name="Google Shape;240;g287182eb427_1_78:notes"/>
           <p:cNvSpPr txBox="1"/>
           <p:nvPr>
             <p:ph type="body" idx="1"/>
@@ -1373,7 +1373,7 @@
       </p:grpSpPr>
       <p:sp>
         <p:nvSpPr>
-          <p:cNvPr id="813363383" name="Google Shape;248;g287ecc99806_0_0:notes"/>
+          <p:cNvPr id="1467168868" name="Google Shape;248;g287ecc99806_0_0:notes"/>
           <p:cNvSpPr/>
           <p:nvPr>
             <p:ph type="sldImg" idx="2"/>
@@ -1412,7 +1412,7 @@
       </p:sp>
       <p:sp>
         <p:nvSpPr>
-          <p:cNvPr id="675996826" name="Google Shape;249;g287ecc99806_0_0:notes"/>
+          <p:cNvPr id="1300993601" name="Google Shape;249;g287ecc99806_0_0:notes"/>
           <p:cNvSpPr txBox="1"/>
           <p:nvPr>
             <p:ph type="body" idx="1"/>
@@ -1474,7 +1474,7 @@
       </p:grpSpPr>
       <p:sp>
         <p:nvSpPr>
-          <p:cNvPr id="1598704467" name="Google Shape;257;g287ecc99806_0_17:notes"/>
+          <p:cNvPr id="1233133828" name="Google Shape;257;g287ecc99806_0_17:notes"/>
           <p:cNvSpPr/>
           <p:nvPr>
             <p:ph type="sldImg" idx="2"/>
@@ -1513,7 +1513,7 @@
       </p:sp>
       <p:sp>
         <p:nvSpPr>
-          <p:cNvPr id="1448636744" name="Google Shape;258;g287ecc99806_0_17:notes"/>
+          <p:cNvPr id="1371802247" name="Google Shape;258;g287ecc99806_0_17:notes"/>
           <p:cNvSpPr txBox="1"/>
           <p:nvPr>
             <p:ph type="body" idx="1"/>
@@ -1575,7 +1575,7 @@
       </p:grpSpPr>
       <p:sp>
         <p:nvSpPr>
-          <p:cNvPr id="1821177696" name="Google Shape;265;g287182eb427_1_89:notes"/>
+          <p:cNvPr id="1476622507" name="Google Shape;265;g287182eb427_1_89:notes"/>
           <p:cNvSpPr/>
           <p:nvPr>
             <p:ph type="sldImg" idx="2"/>
@@ -1614,7 +1614,7 @@
       </p:sp>
       <p:sp>
         <p:nvSpPr>
-          <p:cNvPr id="168538225" name="Google Shape;266;g287182eb427_1_89:notes"/>
+          <p:cNvPr id="47107698" name="Google Shape;266;g287182eb427_1_89:notes"/>
           <p:cNvSpPr txBox="1"/>
           <p:nvPr>
             <p:ph type="body" idx="1"/>
@@ -1676,7 +1676,7 @@
       </p:grpSpPr>
       <p:sp>
         <p:nvSpPr>
-          <p:cNvPr id="978491681" name="Google Shape;273;g287ecc99806_0_27:notes"/>
+          <p:cNvPr id="842324721" name="Google Shape;273;g287ecc99806_0_27:notes"/>
           <p:cNvSpPr/>
           <p:nvPr>
             <p:ph type="sldImg" idx="2"/>
@@ -1715,7 +1715,7 @@
       </p:sp>
       <p:sp>
         <p:nvSpPr>
-          <p:cNvPr id="778854327" name="Google Shape;274;g287ecc99806_0_27:notes"/>
+          <p:cNvPr id="1553462010" name="Google Shape;274;g287ecc99806_0_27:notes"/>
           <p:cNvSpPr txBox="1"/>
           <p:nvPr>
             <p:ph type="body" idx="1"/>
@@ -1777,7 +1777,7 @@
       </p:grpSpPr>
       <p:sp>
         <p:nvSpPr>
-          <p:cNvPr id="2" name="Slide Image Placeholder 1"/>
+          <p:cNvPr id="333082940" name="Slide Image Placeholder 1"/>
           <p:cNvSpPr>
             <a:spLocks noChangeAspect="1" noGrp="1" noRot="1"/>
           </p:cNvSpPr>
@@ -1789,7 +1789,7 @@
       </p:sp>
       <p:sp>
         <p:nvSpPr>
-          <p:cNvPr id="3" name="Notes Placeholder 2"/>
+          <p:cNvPr id="1303217764" name="Notes Placeholder 2"/>
           <p:cNvSpPr>
             <a:spLocks noGrp="1"/>
           </p:cNvSpPr>
@@ -1811,7 +1811,7 @@
       </p:sp>
       <p:sp>
         <p:nvSpPr>
-          <p:cNvPr id="4" name="Slide Number Placeholder 3"/>
+          <p:cNvPr id="2146939583" name="Slide Number Placeholder 3"/>
           <p:cNvSpPr>
             <a:spLocks noGrp="1"/>
           </p:cNvSpPr>
@@ -1862,7 +1862,7 @@
       </p:grpSpPr>
       <p:sp>
         <p:nvSpPr>
-          <p:cNvPr id="2" name="Slide Image Placeholder 1"/>
+          <p:cNvPr id="1679051360" name="Slide Image Placeholder 1"/>
           <p:cNvSpPr>
             <a:spLocks noChangeAspect="1" noGrp="1" noRot="1"/>
           </p:cNvSpPr>
@@ -1874,7 +1874,7 @@
       </p:sp>
       <p:sp>
         <p:nvSpPr>
-          <p:cNvPr id="3" name="Notes Placeholder 2"/>
+          <p:cNvPr id="1012878262" name="Notes Placeholder 2"/>
           <p:cNvSpPr>
             <a:spLocks noGrp="1"/>
           </p:cNvSpPr>
@@ -1896,7 +1896,7 @@
       </p:sp>
       <p:sp>
         <p:nvSpPr>
-          <p:cNvPr id="4" name="Slide Number Placeholder 3"/>
+          <p:cNvPr id="1684089175" name="Slide Number Placeholder 3"/>
           <p:cNvSpPr>
             <a:spLocks noGrp="1"/>
           </p:cNvSpPr>
@@ -1947,7 +1947,7 @@
       </p:grpSpPr>
       <p:sp>
         <p:nvSpPr>
-          <p:cNvPr id="2" name="Slide Image Placeholder 1"/>
+          <p:cNvPr id="1326232320" name="Slide Image Placeholder 1"/>
           <p:cNvSpPr>
             <a:spLocks noChangeAspect="1" noGrp="1" noRot="1"/>
           </p:cNvSpPr>
@@ -1959,7 +1959,7 @@
       </p:sp>
       <p:sp>
         <p:nvSpPr>
-          <p:cNvPr id="3" name="Notes Placeholder 2"/>
+          <p:cNvPr id="857146893" name="Notes Placeholder 2"/>
           <p:cNvSpPr>
             <a:spLocks noGrp="1"/>
           </p:cNvSpPr>
@@ -1981,7 +1981,7 @@
       </p:sp>
       <p:sp>
         <p:nvSpPr>
-          <p:cNvPr id="4" name="Slide Number Placeholder 3"/>
+          <p:cNvPr id="1344162472" name="Slide Number Placeholder 3"/>
           <p:cNvSpPr>
             <a:spLocks noGrp="1"/>
           </p:cNvSpPr>
@@ -2032,7 +2032,7 @@
       </p:grpSpPr>
       <p:sp>
         <p:nvSpPr>
-          <p:cNvPr id="1381530973" name="Google Shape;141;g11262b15b87_0_18:notes"/>
+          <p:cNvPr id="55316885" name="Google Shape;141;g11262b15b87_0_18:notes"/>
           <p:cNvSpPr/>
           <p:nvPr>
             <p:ph type="sldImg" idx="2"/>
@@ -2071,7 +2071,7 @@
       </p:sp>
       <p:sp>
         <p:nvSpPr>
-          <p:cNvPr id="781745142" name="Google Shape;142;g11262b15b87_0_18:notes"/>
+          <p:cNvPr id="209462783" name="Google Shape;142;g11262b15b87_0_18:notes"/>
           <p:cNvSpPr txBox="1"/>
           <p:nvPr>
             <p:ph type="body" idx="1"/>
@@ -2133,7 +2133,7 @@
       </p:grpSpPr>
       <p:sp>
         <p:nvSpPr>
-          <p:cNvPr id="605551721" name="Google Shape;149;g124ec1c6ead_0_20:notes"/>
+          <p:cNvPr id="77237767" name="Google Shape;149;g124ec1c6ead_0_20:notes"/>
           <p:cNvSpPr/>
           <p:nvPr>
             <p:ph type="sldImg" idx="2"/>
@@ -2172,7 +2172,7 @@
       </p:sp>
       <p:sp>
         <p:nvSpPr>
-          <p:cNvPr id="1402804457" name="Google Shape;150;g124ec1c6ead_0_20:notes"/>
+          <p:cNvPr id="662269857" name="Google Shape;150;g124ec1c6ead_0_20:notes"/>
           <p:cNvSpPr txBox="1"/>
           <p:nvPr>
             <p:ph type="body" idx="1"/>
@@ -2234,7 +2234,7 @@
       </p:grpSpPr>
       <p:sp>
         <p:nvSpPr>
-          <p:cNvPr id="558688062" name="Google Shape;157;g124f7ac5d67_0_14:notes"/>
+          <p:cNvPr id="1108523102" name="Google Shape;157;g124f7ac5d67_0_14:notes"/>
           <p:cNvSpPr/>
           <p:nvPr>
             <p:ph type="sldImg" idx="2"/>
@@ -2273,7 +2273,7 @@
       </p:sp>
       <p:sp>
         <p:nvSpPr>
-          <p:cNvPr id="1434763322" name="Google Shape;158;g124f7ac5d67_0_14:notes"/>
+          <p:cNvPr id="1440678327" name="Google Shape;158;g124f7ac5d67_0_14:notes"/>
           <p:cNvSpPr txBox="1"/>
           <p:nvPr>
             <p:ph type="body" idx="1"/>
@@ -2335,7 +2335,7 @@
       </p:grpSpPr>
       <p:sp>
         <p:nvSpPr>
-          <p:cNvPr id="852448163" name="Google Shape;165;g124ec1c6ead_0_5:notes"/>
+          <p:cNvPr id="1746568533" name="Google Shape;165;g124ec1c6ead_0_5:notes"/>
           <p:cNvSpPr/>
           <p:nvPr>
             <p:ph type="sldImg" idx="2"/>
@@ -2374,7 +2374,7 @@
       </p:sp>
       <p:sp>
         <p:nvSpPr>
-          <p:cNvPr id="2127990994" name="Google Shape;166;g124ec1c6ead_0_5:notes"/>
+          <p:cNvPr id="1491651769" name="Google Shape;166;g124ec1c6ead_0_5:notes"/>
           <p:cNvSpPr txBox="1"/>
           <p:nvPr>
             <p:ph type="body" idx="1"/>
@@ -2436,7 +2436,7 @@
       </p:grpSpPr>
       <p:sp>
         <p:nvSpPr>
-          <p:cNvPr id="510898559" name="Google Shape;195;g287182eb427_1_17:notes"/>
+          <p:cNvPr id="644995005" name="Google Shape;195;g287182eb427_1_17:notes"/>
           <p:cNvSpPr/>
           <p:nvPr>
             <p:ph type="sldImg" idx="2"/>
@@ -2475,7 +2475,7 @@
       </p:sp>
       <p:sp>
         <p:nvSpPr>
-          <p:cNvPr id="276078768" name="Google Shape;196;g287182eb427_1_17:notes"/>
+          <p:cNvPr id="82714577" name="Google Shape;196;g287182eb427_1_17:notes"/>
           <p:cNvSpPr txBox="1"/>
           <p:nvPr>
             <p:ph type="body" idx="1"/>
@@ -2569,7 +2569,7 @@
       </p:grpSpPr>
       <p:pic>
         <p:nvPicPr>
-          <p:cNvPr id="317675419" name="Google Shape;104;p11"/>
+          <p:cNvPr id="193834788" name="Google Shape;104;p11"/>
           <p:cNvPicPr/>
           <p:nvPr/>
         </p:nvPicPr>
@@ -2659,7 +2659,7 @@
       </p:grpSpPr>
       <p:pic>
         <p:nvPicPr>
-          <p:cNvPr id="1218415272" name="Google Shape;107;p13"/>
+          <p:cNvPr id="576643888" name="Google Shape;107;p13"/>
           <p:cNvPicPr/>
           <p:nvPr/>
         </p:nvPicPr>
@@ -2685,7 +2685,7 @@
       </p:pic>
       <p:pic>
         <p:nvPicPr>
-          <p:cNvPr id="119353256" name="Google Shape;108;p13"/>
+          <p:cNvPr id="652930175" name="Google Shape;108;p13"/>
           <p:cNvPicPr/>
           <p:nvPr/>
         </p:nvPicPr>
@@ -2712,7 +2712,7 @@
       </p:pic>
       <p:pic>
         <p:nvPicPr>
-          <p:cNvPr id="1374431685" name="Google Shape;109;p13"/>
+          <p:cNvPr id="196425416" name="Google Shape;109;p13"/>
           <p:cNvPicPr/>
           <p:nvPr/>
         </p:nvPicPr>
@@ -2770,7 +2770,7 @@
       </p:grpSpPr>
       <p:pic>
         <p:nvPicPr>
-          <p:cNvPr id="184507682" name="Google Shape;111;p14"/>
+          <p:cNvPr id="865683412" name="Google Shape;111;p14"/>
           <p:cNvPicPr/>
           <p:nvPr/>
         </p:nvPicPr>
@@ -2796,7 +2796,7 @@
       </p:pic>
       <p:pic>
         <p:nvPicPr>
-          <p:cNvPr id="190997096" name="Google Shape;112;p14"/>
+          <p:cNvPr id="616051024" name="Google Shape;112;p14"/>
           <p:cNvPicPr/>
           <p:nvPr/>
         </p:nvPicPr>
@@ -2855,7 +2855,7 @@
       </p:grpSpPr>
       <p:pic>
         <p:nvPicPr>
-          <p:cNvPr id="505007464" name="Google Shape;114;p15"/>
+          <p:cNvPr id="1927674907" name="Google Shape;114;p15"/>
           <p:cNvPicPr/>
           <p:nvPr/>
         </p:nvPicPr>
@@ -2881,7 +2881,7 @@
       </p:pic>
       <p:pic>
         <p:nvPicPr>
-          <p:cNvPr id="1210700136" name="Google Shape;115;p15"/>
+          <p:cNvPr id="855666771" name="Google Shape;115;p15"/>
           <p:cNvPicPr/>
           <p:nvPr/>
         </p:nvPicPr>
@@ -2908,7 +2908,7 @@
       </p:pic>
       <p:pic>
         <p:nvPicPr>
-          <p:cNvPr id="795373008" name="Google Shape;116;p15"/>
+          <p:cNvPr id="1188264202" name="Google Shape;116;p15"/>
           <p:cNvPicPr/>
           <p:nvPr/>
         </p:nvPicPr>
@@ -2967,7 +2967,7 @@
       </p:grpSpPr>
       <p:pic>
         <p:nvPicPr>
-          <p:cNvPr id="663551759" name="Google Shape;118;p16"/>
+          <p:cNvPr id="551143794" name="Google Shape;118;p16"/>
           <p:cNvPicPr/>
           <p:nvPr/>
         </p:nvPicPr>
@@ -2993,7 +2993,7 @@
       </p:pic>
       <p:pic>
         <p:nvPicPr>
-          <p:cNvPr id="273422725" name="Google Shape;119;p16"/>
+          <p:cNvPr id="1681139452" name="Google Shape;119;p16"/>
           <p:cNvPicPr/>
           <p:nvPr/>
         </p:nvPicPr>
@@ -3020,7 +3020,7 @@
       </p:pic>
       <p:grpSp>
         <p:nvGrpSpPr>
-          <p:cNvPr id="1108642696" name="Google Shape;120;p16"/>
+          <p:cNvPr id="146856786" name="Google Shape;120;p16"/>
           <p:cNvGrpSpPr/>
           <p:nvPr/>
         </p:nvGrpSpPr>
@@ -3459,7 +3459,7 @@
       </p:grpSpPr>
       <p:pic>
         <p:nvPicPr>
-          <p:cNvPr id="667886896" name="Google Shape;8;p3"/>
+          <p:cNvPr id="1336710094" name="Google Shape;8;p3"/>
           <p:cNvPicPr/>
           <p:nvPr/>
         </p:nvPicPr>
@@ -3517,7 +3517,7 @@
       </p:grpSpPr>
       <p:pic>
         <p:nvPicPr>
-          <p:cNvPr id="326315199" name="Google Shape;10;p4"/>
+          <p:cNvPr id="1814870946" name="Google Shape;10;p4"/>
           <p:cNvPicPr/>
           <p:nvPr/>
         </p:nvPicPr>
@@ -3543,7 +3543,7 @@
       </p:pic>
       <p:pic>
         <p:nvPicPr>
-          <p:cNvPr id="1243314334" name="Google Shape;11;p4"/>
+          <p:cNvPr id="1595780721" name="Google Shape;11;p4"/>
           <p:cNvPicPr/>
           <p:nvPr/>
         </p:nvPicPr>
@@ -3601,7 +3601,7 @@
       </p:grpSpPr>
       <p:pic>
         <p:nvPicPr>
-          <p:cNvPr id="119542619" name="Google Shape;13;p5"/>
+          <p:cNvPr id="1654168861" name="Google Shape;13;p5"/>
           <p:cNvPicPr/>
           <p:nvPr/>
         </p:nvPicPr>
@@ -3659,7 +3659,7 @@
       </p:grpSpPr>
       <p:pic>
         <p:nvPicPr>
-          <p:cNvPr id="849636004" name="Google Shape;15;p6"/>
+          <p:cNvPr id="223343456" name="Google Shape;15;p6"/>
           <p:cNvPicPr/>
           <p:nvPr/>
         </p:nvPicPr>
@@ -3685,7 +3685,7 @@
       </p:pic>
       <p:pic>
         <p:nvPicPr>
-          <p:cNvPr id="188701141" name="Google Shape;16;p6"/>
+          <p:cNvPr id="1490925008" name="Google Shape;16;p6"/>
           <p:cNvPicPr/>
           <p:nvPr/>
         </p:nvPicPr>
@@ -3711,7 +3711,7 @@
       </p:pic>
       <p:sp>
         <p:nvSpPr>
-          <p:cNvPr id="402661270" name="Google Shape;17;p6"/>
+          <p:cNvPr id="2127336377" name="Google Shape;17;p6"/>
           <p:cNvSpPr txBox="1"/>
           <p:nvPr/>
         </p:nvSpPr>
@@ -3921,7 +3921,7 @@
       </p:sp>
       <p:sp>
         <p:nvSpPr>
-          <p:cNvPr id="1779017572" name="Google Shape;18;p6"/>
+          <p:cNvPr id="1596792005" name="Google Shape;18;p6"/>
           <p:cNvSpPr txBox="1"/>
           <p:nvPr/>
         </p:nvSpPr>
@@ -3981,7 +3981,7 @@
       </p:sp>
       <p:sp>
         <p:nvSpPr>
-          <p:cNvPr id="522172162" name="Google Shape;19;p6"/>
+          <p:cNvPr id="1056234129" name="Google Shape;19;p6"/>
           <p:cNvSpPr txBox="1"/>
           <p:nvPr/>
         </p:nvSpPr>
@@ -4041,7 +4041,7 @@
       </p:sp>
       <p:sp>
         <p:nvSpPr>
-          <p:cNvPr id="1901750137" name="Google Shape;20;p6"/>
+          <p:cNvPr id="1869286154" name="Google Shape;20;p6"/>
           <p:cNvSpPr txBox="1"/>
           <p:nvPr/>
         </p:nvSpPr>
@@ -4130,7 +4130,7 @@
       </p:grpSpPr>
       <p:pic>
         <p:nvPicPr>
-          <p:cNvPr id="1367779988" name="Google Shape;22;p7"/>
+          <p:cNvPr id="1753287176" name="Google Shape;22;p7"/>
           <p:cNvPicPr/>
           <p:nvPr/>
         </p:nvPicPr>
@@ -4156,7 +4156,7 @@
       </p:pic>
       <p:pic>
         <p:nvPicPr>
-          <p:cNvPr id="1043251336" name="Google Shape;23;p7"/>
+          <p:cNvPr id="165856256" name="Google Shape;23;p7"/>
           <p:cNvPicPr/>
           <p:nvPr/>
         </p:nvPicPr>
@@ -4182,7 +4182,7 @@
       </p:pic>
       <p:sp>
         <p:nvSpPr>
-          <p:cNvPr id="63887519" name="Google Shape;24;p7"/>
+          <p:cNvPr id="1742611869" name="Google Shape;24;p7"/>
           <p:cNvSpPr txBox="1"/>
           <p:nvPr/>
         </p:nvSpPr>
@@ -4239,7 +4239,7 @@
       </p:sp>
       <p:grpSp>
         <p:nvGrpSpPr>
-          <p:cNvPr id="1801502692" name="Google Shape;25;p7"/>
+          <p:cNvPr id="2134183445" name="Google Shape;25;p7"/>
           <p:cNvGrpSpPr/>
           <p:nvPr/>
         </p:nvGrpSpPr>
@@ -4607,7 +4607,7 @@
       </p:grpSp>
       <p:grpSp>
         <p:nvGrpSpPr>
-          <p:cNvPr id="501536665" name="Google Shape;29;p7"/>
+          <p:cNvPr id="1931636363" name="Google Shape;29;p7"/>
           <p:cNvGrpSpPr/>
           <p:nvPr/>
         </p:nvGrpSpPr>
@@ -4844,7 +4844,7 @@
       </p:grpSp>
       <p:grpSp>
         <p:nvGrpSpPr>
-          <p:cNvPr id="124409436" name="Google Shape;33;p7"/>
+          <p:cNvPr id="1588117799" name="Google Shape;33;p7"/>
           <p:cNvGrpSpPr/>
           <p:nvPr/>
         </p:nvGrpSpPr>
@@ -5093,7 +5093,7 @@
       </p:grpSp>
       <p:pic>
         <p:nvPicPr>
-          <p:cNvPr id="1250771139" name="Google Shape;37;p7"/>
+          <p:cNvPr id="1626904775" name="Google Shape;37;p7"/>
           <p:cNvPicPr/>
           <p:nvPr/>
         </p:nvPicPr>
@@ -5152,7 +5152,7 @@
       </p:grpSpPr>
       <p:pic>
         <p:nvPicPr>
-          <p:cNvPr id="369618649" name="Google Shape;39;p8"/>
+          <p:cNvPr id="1387924887" name="Google Shape;39;p8"/>
           <p:cNvPicPr/>
           <p:nvPr/>
         </p:nvPicPr>
@@ -5178,7 +5178,7 @@
       </p:pic>
       <p:pic>
         <p:nvPicPr>
-          <p:cNvPr id="1592026670" name="Google Shape;40;p8"/>
+          <p:cNvPr id="1567779960" name="Google Shape;40;p8"/>
           <p:cNvPicPr/>
           <p:nvPr/>
         </p:nvPicPr>
@@ -5204,7 +5204,7 @@
       </p:pic>
       <p:pic>
         <p:nvPicPr>
-          <p:cNvPr id="951796367" name="Google Shape;41;p8"/>
+          <p:cNvPr id="362421630" name="Google Shape;41;p8"/>
           <p:cNvPicPr/>
           <p:nvPr/>
         </p:nvPicPr>
@@ -5231,7 +5231,7 @@
       </p:pic>
       <p:sp>
         <p:nvSpPr>
-          <p:cNvPr id="299565270" name="Google Shape;42;p8"/>
+          <p:cNvPr id="615989017" name="Google Shape;42;p8"/>
           <p:cNvSpPr txBox="1"/>
           <p:nvPr/>
         </p:nvSpPr>
@@ -5288,7 +5288,7 @@
       </p:sp>
       <p:grpSp>
         <p:nvGrpSpPr>
-          <p:cNvPr id="1529074340" name="Google Shape;43;p8"/>
+          <p:cNvPr id="696843514" name="Google Shape;43;p8"/>
           <p:cNvGrpSpPr/>
           <p:nvPr/>
         </p:nvGrpSpPr>
@@ -5473,7 +5473,7 @@
       </p:grpSp>
       <p:grpSp>
         <p:nvGrpSpPr>
-          <p:cNvPr id="1851740434" name="Google Shape;47;p8"/>
+          <p:cNvPr id="1078749207" name="Google Shape;47;p8"/>
           <p:cNvGrpSpPr/>
           <p:nvPr/>
         </p:nvGrpSpPr>
@@ -5850,7 +5850,7 @@
       </p:grpSp>
       <p:grpSp>
         <p:nvGrpSpPr>
-          <p:cNvPr id="978272165" name="Google Shape;51;p8"/>
+          <p:cNvPr id="1617709083" name="Google Shape;51;p8"/>
           <p:cNvGrpSpPr/>
           <p:nvPr/>
         </p:nvGrpSpPr>
@@ -6067,7 +6067,7 @@
       </p:grpSp>
       <p:grpSp>
         <p:nvGrpSpPr>
-          <p:cNvPr id="1834423726" name="Google Shape;55;p8"/>
+          <p:cNvPr id="2087455049" name="Google Shape;55;p8"/>
           <p:cNvGrpSpPr/>
           <p:nvPr/>
         </p:nvGrpSpPr>
@@ -6284,7 +6284,7 @@
       </p:grpSpPr>
       <p:pic>
         <p:nvPicPr>
-          <p:cNvPr id="238227058" name="Google Shape;60;p9"/>
+          <p:cNvPr id="1443140316" name="Google Shape;60;p9"/>
           <p:cNvPicPr/>
           <p:nvPr/>
         </p:nvPicPr>
@@ -6310,7 +6310,7 @@
       </p:pic>
       <p:pic>
         <p:nvPicPr>
-          <p:cNvPr id="96306909" name="Google Shape;61;p9"/>
+          <p:cNvPr id="1886986712" name="Google Shape;61;p9"/>
           <p:cNvPicPr/>
           <p:nvPr/>
         </p:nvPicPr>
@@ -6336,7 +6336,7 @@
       </p:pic>
       <p:sp>
         <p:nvSpPr>
-          <p:cNvPr id="902141880" name="Google Shape;62;p9"/>
+          <p:cNvPr id="545629653" name="Google Shape;62;p9"/>
           <p:cNvSpPr txBox="1"/>
           <p:nvPr/>
         </p:nvSpPr>
@@ -6393,7 +6393,7 @@
       </p:sp>
       <p:sp>
         <p:nvSpPr>
-          <p:cNvPr id="1202442531" name="Google Shape;63;p9"/>
+          <p:cNvPr id="21743339" name="Google Shape;63;p9"/>
           <p:cNvSpPr txBox="1"/>
           <p:nvPr/>
         </p:nvSpPr>
@@ -6447,7 +6447,7 @@
       </p:sp>
       <p:sp>
         <p:nvSpPr>
-          <p:cNvPr id="292518273" name="Google Shape;64;p9"/>
+          <p:cNvPr id="2011894432" name="Google Shape;64;p9"/>
           <p:cNvSpPr txBox="1"/>
           <p:nvPr/>
         </p:nvSpPr>
@@ -6501,7 +6501,7 @@
       </p:sp>
       <p:sp>
         <p:nvSpPr>
-          <p:cNvPr id="1991290216" name="Google Shape;65;p9"/>
+          <p:cNvPr id="323814337" name="Google Shape;65;p9"/>
           <p:cNvSpPr txBox="1"/>
           <p:nvPr/>
         </p:nvSpPr>
@@ -6555,7 +6555,7 @@
       </p:sp>
       <p:sp>
         <p:nvSpPr>
-          <p:cNvPr id="1036738167" name="Google Shape;66;p9"/>
+          <p:cNvPr id="1595525637" name="Google Shape;66;p9"/>
           <p:cNvSpPr txBox="1"/>
           <p:nvPr/>
         </p:nvSpPr>
@@ -6609,7 +6609,7 @@
       </p:sp>
       <p:sp>
         <p:nvSpPr>
-          <p:cNvPr id="1005689827" name="Google Shape;67;p9"/>
+          <p:cNvPr id="1301588285" name="Google Shape;67;p9"/>
           <p:cNvSpPr txBox="1"/>
           <p:nvPr/>
         </p:nvSpPr>
@@ -6663,7 +6663,7 @@
       </p:sp>
       <p:sp>
         <p:nvSpPr>
-          <p:cNvPr id="1097798228" name="Google Shape;68;p9"/>
+          <p:cNvPr id="1676199263" name="Google Shape;68;p9"/>
           <p:cNvSpPr txBox="1"/>
           <p:nvPr/>
         </p:nvSpPr>
@@ -6717,7 +6717,7 @@
       </p:sp>
       <p:sp>
         <p:nvSpPr>
-          <p:cNvPr id="1499491735" name="Google Shape;69;p9"/>
+          <p:cNvPr id="1442234004" name="Google Shape;69;p9"/>
           <p:cNvSpPr txBox="1"/>
           <p:nvPr/>
         </p:nvSpPr>
@@ -6771,7 +6771,7 @@
       </p:sp>
       <p:sp>
         <p:nvSpPr>
-          <p:cNvPr id="1244136036" name="Google Shape;70;p9"/>
+          <p:cNvPr id="180841142" name="Google Shape;70;p9"/>
           <p:cNvSpPr txBox="1"/>
           <p:nvPr/>
         </p:nvSpPr>
@@ -6825,7 +6825,7 @@
       </p:sp>
       <p:sp>
         <p:nvSpPr>
-          <p:cNvPr id="986642231" name="Google Shape;71;p9"/>
+          <p:cNvPr id="1383023981" name="Google Shape;71;p9"/>
           <p:cNvSpPr txBox="1"/>
           <p:nvPr/>
         </p:nvSpPr>
@@ -6879,7 +6879,7 @@
       </p:sp>
       <p:sp>
         <p:nvSpPr>
-          <p:cNvPr id="337908068" name="Google Shape;72;p9"/>
+          <p:cNvPr id="1428655020" name="Google Shape;72;p9"/>
           <p:cNvSpPr txBox="1"/>
           <p:nvPr/>
         </p:nvSpPr>
@@ -6933,7 +6933,7 @@
       </p:sp>
       <p:sp>
         <p:nvSpPr>
-          <p:cNvPr id="1948590762" name="Google Shape;73;p9"/>
+          <p:cNvPr id="312245937" name="Google Shape;73;p9"/>
           <p:cNvSpPr txBox="1"/>
           <p:nvPr/>
         </p:nvSpPr>
@@ -6987,7 +6987,7 @@
       </p:sp>
       <p:grpSp>
         <p:nvGrpSpPr>
-          <p:cNvPr id="789298501" name="Google Shape;74;p9"/>
+          <p:cNvPr id="1785627131" name="Google Shape;74;p9"/>
           <p:cNvGrpSpPr/>
           <p:nvPr/>
         </p:nvGrpSpPr>
@@ -7179,7 +7179,7 @@
       </p:grpSp>
       <p:pic>
         <p:nvPicPr>
-          <p:cNvPr id="130202616" name="Google Shape;78;p9"/>
+          <p:cNvPr id="595890627" name="Google Shape;78;p9"/>
           <p:cNvPicPr/>
           <p:nvPr/>
         </p:nvPicPr>
@@ -7205,7 +7205,7 @@
       </p:pic>
       <p:pic>
         <p:nvPicPr>
-          <p:cNvPr id="1230526413" name="Google Shape;79;p9"/>
+          <p:cNvPr id="1400849303" name="Google Shape;79;p9"/>
           <p:cNvPicPr/>
           <p:nvPr/>
         </p:nvPicPr>
@@ -7231,7 +7231,7 @@
       </p:pic>
       <p:pic>
         <p:nvPicPr>
-          <p:cNvPr id="1445249504" name="Google Shape;80;p9"/>
+          <p:cNvPr id="1736810084" name="Google Shape;80;p9"/>
           <p:cNvPicPr/>
           <p:nvPr/>
         </p:nvPicPr>
@@ -7257,7 +7257,7 @@
       </p:pic>
       <p:pic>
         <p:nvPicPr>
-          <p:cNvPr id="2133750109" name="Google Shape;81;p9"/>
+          <p:cNvPr id="916940582" name="Google Shape;81;p9"/>
           <p:cNvPicPr/>
           <p:nvPr/>
         </p:nvPicPr>
@@ -7283,7 +7283,7 @@
       </p:pic>
       <p:pic>
         <p:nvPicPr>
-          <p:cNvPr id="1196280075" name="Google Shape;82;p9"/>
+          <p:cNvPr id="819012989" name="Google Shape;82;p9"/>
           <p:cNvPicPr/>
           <p:nvPr/>
         </p:nvPicPr>
@@ -7309,7 +7309,7 @@
       </p:pic>
       <p:pic>
         <p:nvPicPr>
-          <p:cNvPr id="2141082324" name="Google Shape;83;p9"/>
+          <p:cNvPr id="549968796" name="Google Shape;83;p9"/>
           <p:cNvPicPr/>
           <p:nvPr/>
         </p:nvPicPr>
@@ -7335,7 +7335,7 @@
       </p:pic>
       <p:pic>
         <p:nvPicPr>
-          <p:cNvPr id="691859717" name="Google Shape;84;p9"/>
+          <p:cNvPr id="2139848899" name="Google Shape;84;p9"/>
           <p:cNvPicPr/>
           <p:nvPr/>
         </p:nvPicPr>
@@ -7361,7 +7361,7 @@
       </p:pic>
       <p:pic>
         <p:nvPicPr>
-          <p:cNvPr id="1385185917" name="Google Shape;85;p9"/>
+          <p:cNvPr id="520867600" name="Google Shape;85;p9"/>
           <p:cNvPicPr/>
           <p:nvPr/>
         </p:nvPicPr>
@@ -7387,7 +7387,7 @@
       </p:pic>
       <p:pic>
         <p:nvPicPr>
-          <p:cNvPr id="995952504" name="Google Shape;86;p9"/>
+          <p:cNvPr id="1542702222" name="Google Shape;86;p9"/>
           <p:cNvPicPr/>
           <p:nvPr/>
         </p:nvPicPr>
@@ -7413,7 +7413,7 @@
       </p:pic>
       <p:pic>
         <p:nvPicPr>
-          <p:cNvPr id="181741064" name="Google Shape;87;p9"/>
+          <p:cNvPr id="272122113" name="Google Shape;87;p9"/>
           <p:cNvPicPr/>
           <p:nvPr/>
         </p:nvPicPr>
@@ -7471,7 +7471,7 @@
       </p:grpSpPr>
       <p:pic>
         <p:nvPicPr>
-          <p:cNvPr id="1110628199" name="Google Shape;89;p10"/>
+          <p:cNvPr id="167994078" name="Google Shape;89;p10"/>
           <p:cNvPicPr/>
           <p:nvPr/>
         </p:nvPicPr>
@@ -7497,7 +7497,7 @@
       </p:pic>
       <p:pic>
         <p:nvPicPr>
-          <p:cNvPr id="759557353" name="Google Shape;90;p10"/>
+          <p:cNvPr id="2065742498" name="Google Shape;90;p10"/>
           <p:cNvPicPr/>
           <p:nvPr/>
         </p:nvPicPr>
@@ -7523,7 +7523,7 @@
       </p:pic>
       <p:sp>
         <p:nvSpPr>
-          <p:cNvPr id="1989330451" name="Google Shape;91;p10"/>
+          <p:cNvPr id="1731006842" name="Google Shape;91;p10"/>
           <p:cNvSpPr/>
           <p:nvPr/>
         </p:nvSpPr>
@@ -7564,7 +7564,7 @@
       </p:sp>
       <p:pic>
         <p:nvPicPr>
-          <p:cNvPr id="1667154685" name="Google Shape;92;p10"/>
+          <p:cNvPr id="1471478740" name="Google Shape;92;p10"/>
           <p:cNvPicPr/>
           <p:nvPr/>
         </p:nvPicPr>
@@ -7591,7 +7591,7 @@
       </p:pic>
       <p:grpSp>
         <p:nvGrpSpPr>
-          <p:cNvPr id="563237957" name="Google Shape;93;p10"/>
+          <p:cNvPr id="1902620721" name="Google Shape;93;p10"/>
           <p:cNvGrpSpPr/>
           <p:nvPr/>
         </p:nvGrpSpPr>
@@ -7971,7 +7971,7 @@
       </p:grpSp>
       <p:pic>
         <p:nvPicPr>
-          <p:cNvPr id="1973486969" name="Google Shape;102;p10"/>
+          <p:cNvPr id="551603455" name="Google Shape;102;p10"/>
           <p:cNvPicPr/>
           <p:nvPr/>
         </p:nvPicPr>
@@ -8733,7 +8733,7 @@
       </p:grpSpPr>
       <p:sp>
         <p:nvSpPr>
-          <p:cNvPr id="417979305" name="Google Shape;135;p17"/>
+          <p:cNvPr id="1958229441" name="Google Shape;135;p17"/>
           <p:cNvSpPr txBox="1"/>
           <p:nvPr/>
         </p:nvSpPr>
@@ -8793,7 +8793,7 @@
       </p:sp>
       <p:pic>
         <p:nvPicPr>
-          <p:cNvPr id="1069048963" name="Google Shape;136;p17"/>
+          <p:cNvPr id="1416356266" name="Google Shape;136;p17"/>
           <p:cNvPicPr/>
           <p:nvPr/>
         </p:nvPicPr>
@@ -8820,7 +8820,7 @@
       </p:pic>
       <p:sp>
         <p:nvSpPr>
-          <p:cNvPr id="729395160" name="Google Shape;137;p17"/>
+          <p:cNvPr id="254947156" name="Google Shape;137;p17"/>
           <p:cNvSpPr txBox="1"/>
           <p:nvPr/>
         </p:nvSpPr>
@@ -8937,7 +8937,7 @@
       </p:sp>
       <p:pic>
         <p:nvPicPr>
-          <p:cNvPr id="772928442" name="Google Shape;138;p17"/>
+          <p:cNvPr id="725109249" name="Google Shape;138;p17"/>
           <p:cNvPicPr/>
           <p:nvPr/>
         </p:nvPicPr>
@@ -8996,7 +8996,7 @@
       </p:grpSpPr>
       <p:pic>
         <p:nvPicPr>
-          <p:cNvPr id="1075304047" name="Google Shape;206;p25"/>
+          <p:cNvPr id="1187599039" name="Google Shape;206;p25"/>
           <p:cNvPicPr/>
           <p:nvPr/>
         </p:nvPicPr>
@@ -9023,7 +9023,7 @@
       </p:pic>
       <p:sp>
         <p:nvSpPr>
-          <p:cNvPr id="491994424" name="Google Shape;207;p25"/>
+          <p:cNvPr id="1627851264" name="Google Shape;207;p25"/>
           <p:cNvSpPr txBox="1"/>
           <p:nvPr/>
         </p:nvSpPr>
@@ -9080,13 +9080,13 @@
       </p:sp>
       <p:sp>
         <p:nvSpPr>
-          <p:cNvPr id="1611922606" name="Google Shape;208;p25"/>
+          <p:cNvPr id="170896365" name="Google Shape;208;p25"/>
           <p:cNvSpPr txBox="1"/>
           <p:nvPr/>
         </p:nvSpPr>
         <p:spPr bwMode="auto">
           <a:xfrm>
-            <a:off x="352599" y="2619162"/>
+            <a:off x="352599" y="2619161"/>
             <a:ext cx="4153860" cy="777569"/>
           </a:xfrm>
           <a:prstGeom prst="rect">
@@ -9147,7 +9147,7 @@
       </p:sp>
       <p:pic>
         <p:nvPicPr>
-          <p:cNvPr id="1245900072" name="Google Shape;209;p25"/>
+          <p:cNvPr id="2064109633" name="Google Shape;209;p25"/>
           <p:cNvPicPr/>
           <p:nvPr/>
         </p:nvPicPr>
@@ -9174,7 +9174,7 @@
       </p:pic>
       <p:pic>
         <p:nvPicPr>
-          <p:cNvPr id="1022146016" name=""/>
+          <p:cNvPr id="1815415681" name=""/>
           <p:cNvPicPr>
             <a:picLocks noChangeAspect="1"/>
           </p:cNvPicPr>
@@ -9229,7 +9229,7 @@
       </p:grpSpPr>
       <p:pic>
         <p:nvPicPr>
-          <p:cNvPr id="1354152998" name="Рисунок 2"/>
+          <p:cNvPr id="660036444" name="Рисунок 2"/>
           <p:cNvPicPr>
             <a:picLocks noChangeAspect="1"/>
           </p:cNvPicPr>
@@ -9242,7 +9242,7 @@
         <p:spPr bwMode="auto">
           <a:xfrm flipH="0" flipV="0">
             <a:off x="1392485" y="1450974"/>
-            <a:ext cx="6054513" cy="3152006"/>
+            <a:ext cx="6054513" cy="3152005"/>
           </a:xfrm>
           <a:prstGeom prst="rect">
             <a:avLst/>
@@ -9251,7 +9251,7 @@
       </p:pic>
       <p:sp>
         <p:nvSpPr>
-          <p:cNvPr id="1581415238" name="Заголовок 1"/>
+          <p:cNvPr id="383540827" name="Заголовок 1"/>
           <p:cNvSpPr txBox="1"/>
           <p:nvPr/>
         </p:nvSpPr>
@@ -9336,7 +9336,7 @@
       </p:grpSpPr>
       <p:sp>
         <p:nvSpPr>
-          <p:cNvPr id="450529677" name="Прямоугольник 1"/>
+          <p:cNvPr id="1720851005" name="Прямоугольник 1"/>
           <p:cNvSpPr/>
           <p:nvPr/>
         </p:nvSpPr>
@@ -9384,14 +9384,14 @@
       </p:sp>
       <p:sp>
         <p:nvSpPr>
-          <p:cNvPr id="609773699" name="Прямоугольник 2"/>
+          <p:cNvPr id="2000856112" name="Прямоугольник 2"/>
           <p:cNvSpPr/>
           <p:nvPr/>
         </p:nvSpPr>
         <p:spPr bwMode="auto">
           <a:xfrm>
-            <a:off x="1650999" y="2152469"/>
-            <a:ext cx="6731359" cy="1798679"/>
+            <a:off x="1650998" y="2152468"/>
+            <a:ext cx="6732438" cy="1798679"/>
           </a:xfrm>
           <a:prstGeom prst="rect">
             <a:avLst/>
@@ -9416,7 +9416,18 @@
             </a:pPr>
             <a:r>
               <a:rPr lang="en-US"/>
-              <a:t>D:\&gt;git clone https://github.com/skr1pmen/minecraft.git</a:t>
+              <a:t>D:\&gt;git clone </a:t>
+            </a:r>
+            <a:r>
+              <a:rPr lang="en-US" sz="1400" b="0" i="0" u="none" strike="noStrike" cap="none" spc="0">
+                <a:solidFill>
+                  <a:srgbClr val="000000"/>
+                </a:solidFill>
+                <a:latin typeface="Arial"/>
+                <a:ea typeface="Arial"/>
+                <a:cs typeface="Arial"/>
+              </a:rPr>
+              <a:t>https://github.com/IDashkin/introductionToGithub</a:t>
             </a:r>
             <a:endParaRPr/>
           </a:p>
@@ -9429,8 +9440,15 @@
               <a:t>Cloning into '</a:t>
             </a:r>
             <a:r>
-              <a:rPr lang="en-US"/>
-              <a:t>minecraft</a:t>
+              <a:rPr lang="en-US" sz="1400" b="0" i="0" u="none" strike="noStrike" cap="none" spc="0">
+                <a:solidFill>
+                  <a:srgbClr val="000000"/>
+                </a:solidFill>
+                <a:latin typeface="Arial"/>
+                <a:ea typeface="Arial"/>
+                <a:cs typeface="Arial"/>
+              </a:rPr>
+              <a:t>introductionToGithub</a:t>
             </a:r>
             <a:r>
               <a:rPr lang="en-US"/>
@@ -9551,7 +9569,7 @@
       </p:grpSpPr>
       <p:pic>
         <p:nvPicPr>
-          <p:cNvPr id="1280525572" name="Google Shape;226;p27"/>
+          <p:cNvPr id="1204014451" name="Google Shape;226;p27"/>
           <p:cNvPicPr/>
           <p:nvPr/>
         </p:nvPicPr>
@@ -9578,7 +9596,7 @@
       </p:pic>
       <p:sp>
         <p:nvSpPr>
-          <p:cNvPr id="2098261744" name="Google Shape;227;p27"/>
+          <p:cNvPr id="2052198460" name="Google Shape;227;p27"/>
           <p:cNvSpPr txBox="1"/>
           <p:nvPr/>
         </p:nvSpPr>
@@ -9635,7 +9653,7 @@
       </p:sp>
       <p:sp>
         <p:nvSpPr>
-          <p:cNvPr id="232216282" name="Google Shape;228;p27"/>
+          <p:cNvPr id="278587008" name="Google Shape;228;p27"/>
           <p:cNvSpPr txBox="1"/>
           <p:nvPr/>
         </p:nvSpPr>
@@ -9741,7 +9759,7 @@
       </p:sp>
       <p:pic>
         <p:nvPicPr>
-          <p:cNvPr id="273135640" name="Google Shape;229;p27"/>
+          <p:cNvPr id="792595720" name="Google Shape;229;p27"/>
           <p:cNvPicPr/>
           <p:nvPr/>
         </p:nvPicPr>
@@ -9801,7 +9819,7 @@
       </p:grpSpPr>
       <p:pic>
         <p:nvPicPr>
-          <p:cNvPr id="1860339925" name="Google Shape;234;p28"/>
+          <p:cNvPr id="186046573" name="Google Shape;234;p28"/>
           <p:cNvPicPr/>
           <p:nvPr/>
         </p:nvPicPr>
@@ -9828,7 +9846,7 @@
       </p:pic>
       <p:sp>
         <p:nvSpPr>
-          <p:cNvPr id="2079973290" name="Google Shape;235;p28"/>
+          <p:cNvPr id="1931885222" name="Google Shape;235;p28"/>
           <p:cNvSpPr txBox="1"/>
           <p:nvPr/>
         </p:nvSpPr>
@@ -9885,7 +9903,7 @@
       </p:sp>
       <p:sp>
         <p:nvSpPr>
-          <p:cNvPr id="462135195" name="Google Shape;236;p28"/>
+          <p:cNvPr id="1806465910" name="Google Shape;236;p28"/>
           <p:cNvSpPr txBox="1"/>
           <p:nvPr/>
         </p:nvSpPr>
@@ -9943,7 +9961,7 @@
       </p:sp>
       <p:pic>
         <p:nvPicPr>
-          <p:cNvPr id="1270308565" name="Google Shape;237;p28"/>
+          <p:cNvPr id="1182409071" name="Google Shape;237;p28"/>
           <p:cNvPicPr/>
           <p:nvPr/>
         </p:nvPicPr>
@@ -10003,7 +10021,7 @@
       </p:grpSpPr>
       <p:sp>
         <p:nvSpPr>
-          <p:cNvPr id="1445175497" name="Google Shape;242;p29"/>
+          <p:cNvPr id="1517650540" name="Google Shape;242;p29"/>
           <p:cNvSpPr txBox="1"/>
           <p:nvPr/>
         </p:nvSpPr>
@@ -10060,7 +10078,7 @@
       </p:sp>
       <p:sp>
         <p:nvSpPr>
-          <p:cNvPr id="1366357695" name="Google Shape;243;p29"/>
+          <p:cNvPr id="317830591" name="Google Shape;243;p29"/>
           <p:cNvSpPr txBox="1"/>
           <p:nvPr/>
         </p:nvSpPr>
@@ -10133,7 +10151,7 @@
       </p:sp>
       <p:pic>
         <p:nvPicPr>
-          <p:cNvPr id="112363416" name="Google Shape;244;p29"/>
+          <p:cNvPr id="1935591747" name="Google Shape;244;p29"/>
           <p:cNvPicPr/>
           <p:nvPr/>
         </p:nvPicPr>
@@ -10160,7 +10178,7 @@
       </p:pic>
       <p:pic>
         <p:nvPicPr>
-          <p:cNvPr id="1389061990" name="Google Shape;245;p29"/>
+          <p:cNvPr id="260037266" name="Google Shape;245;p29"/>
           <p:cNvPicPr/>
           <p:nvPr/>
         </p:nvPicPr>
@@ -10187,7 +10205,7 @@
       </p:pic>
       <p:pic>
         <p:nvPicPr>
-          <p:cNvPr id="1293306415" name="Google Shape;246;p29"/>
+          <p:cNvPr id="2007224613" name="Google Shape;246;p29"/>
           <p:cNvPicPr/>
           <p:nvPr/>
         </p:nvPicPr>
@@ -10247,7 +10265,7 @@
       </p:grpSpPr>
       <p:sp>
         <p:nvSpPr>
-          <p:cNvPr id="1780475433" name="Google Shape;251;p30"/>
+          <p:cNvPr id="2025130984" name="Google Shape;251;p30"/>
           <p:cNvSpPr txBox="1"/>
           <p:nvPr/>
         </p:nvSpPr>
@@ -10304,14 +10322,14 @@
       </p:sp>
       <p:sp>
         <p:nvSpPr>
-          <p:cNvPr id="1981695263" name="Google Shape;252;p30"/>
+          <p:cNvPr id="1290115576" name="Google Shape;252;p30"/>
           <p:cNvSpPr txBox="1"/>
           <p:nvPr/>
         </p:nvSpPr>
         <p:spPr bwMode="auto">
           <a:xfrm>
-            <a:off x="352600" y="1350000"/>
-            <a:ext cx="8467500" cy="985200"/>
+            <a:off x="352599" y="1350000"/>
+            <a:ext cx="8473979" cy="1074749"/>
           </a:xfrm>
           <a:prstGeom prst="rect">
             <a:avLst/>
@@ -10350,7 +10368,15 @@
                   <a:schemeClr val="dk1"/>
                 </a:solidFill>
               </a:rPr>
-              <a:t>Чтобы получить возможность добавления ревьюеров из списка необходимо добавить в ваш репозиторий участников. Сделать это можно через вкладку Settings — Collaborators — Add people. В качестве приглашённого участника необходимо выбрать аккаунт нашей платформы: course@ylab.io</a:t>
+              <a:t>Чтобы получить возможность добавления ревьюеров из списка необходимо добавить в ваш репозиторий участников. Сделать это можно через вкладку Settings — Collaborators — Add people. В качестве приглашённого участника необходимо выбрать аккаунт </a:t>
+            </a:r>
+            <a:r>
+              <a:rPr lang="ru-RU" sz="1300">
+                <a:solidFill>
+                  <a:schemeClr val="dk1"/>
+                </a:solidFill>
+              </a:rPr>
+              <a:t>друга.</a:t>
             </a:r>
             <a:endParaRPr sz="1300">
               <a:solidFill>
@@ -10362,7 +10388,7 @@
       </p:sp>
       <p:pic>
         <p:nvPicPr>
-          <p:cNvPr id="1082455333" name="Google Shape;253;p30"/>
+          <p:cNvPr id="893717319" name="Google Shape;253;p30"/>
           <p:cNvPicPr/>
           <p:nvPr/>
         </p:nvPicPr>
@@ -10389,7 +10415,7 @@
       </p:pic>
       <p:pic>
         <p:nvPicPr>
-          <p:cNvPr id="1156026911" name="Google Shape;254;p30"/>
+          <p:cNvPr id="948268434" name="Google Shape;254;p30"/>
           <p:cNvPicPr/>
           <p:nvPr/>
         </p:nvPicPr>
@@ -10415,7 +10441,7 @@
       </p:pic>
       <p:pic>
         <p:nvPicPr>
-          <p:cNvPr id="829729044" name="Google Shape;255;p30"/>
+          <p:cNvPr id="576316097" name="Google Shape;255;p30"/>
           <p:cNvPicPr/>
           <p:nvPr/>
         </p:nvPicPr>
@@ -10474,7 +10500,7 @@
       </p:grpSpPr>
       <p:sp>
         <p:nvSpPr>
-          <p:cNvPr id="538156200" name="Google Shape;260;p31"/>
+          <p:cNvPr id="1087900773" name="Google Shape;260;p31"/>
           <p:cNvSpPr txBox="1"/>
           <p:nvPr/>
         </p:nvSpPr>
@@ -10531,7 +10557,7 @@
       </p:sp>
       <p:sp>
         <p:nvSpPr>
-          <p:cNvPr id="1454097999" name="Google Shape;261;p31"/>
+          <p:cNvPr id="532867979" name="Google Shape;261;p31"/>
           <p:cNvSpPr txBox="1"/>
           <p:nvPr/>
         </p:nvSpPr>
@@ -10604,7 +10630,7 @@
       </p:sp>
       <p:pic>
         <p:nvPicPr>
-          <p:cNvPr id="1110760701" name="Google Shape;262;p31"/>
+          <p:cNvPr id="1782343364" name="Google Shape;262;p31"/>
           <p:cNvPicPr/>
           <p:nvPr/>
         </p:nvPicPr>
@@ -10631,7 +10657,7 @@
       </p:pic>
       <p:pic>
         <p:nvPicPr>
-          <p:cNvPr id="1605096163" name="Google Shape;263;p31"/>
+          <p:cNvPr id="878137620" name="Google Shape;263;p31"/>
           <p:cNvPicPr/>
           <p:nvPr/>
         </p:nvPicPr>
@@ -10690,7 +10716,7 @@
       </p:grpSpPr>
       <p:sp>
         <p:nvSpPr>
-          <p:cNvPr id="521239935" name="Google Shape;268;p32"/>
+          <p:cNvPr id="1599137116" name="Google Shape;268;p32"/>
           <p:cNvSpPr txBox="1"/>
           <p:nvPr/>
         </p:nvSpPr>
@@ -10747,7 +10773,7 @@
       </p:sp>
       <p:sp>
         <p:nvSpPr>
-          <p:cNvPr id="2131180474" name="Google Shape;269;p32"/>
+          <p:cNvPr id="1724040807" name="Google Shape;269;p32"/>
           <p:cNvSpPr txBox="1"/>
           <p:nvPr/>
         </p:nvSpPr>
@@ -10805,7 +10831,7 @@
       </p:sp>
       <p:pic>
         <p:nvPicPr>
-          <p:cNvPr id="1344670203" name="Google Shape;270;p32"/>
+          <p:cNvPr id="803321947" name="Google Shape;270;p32"/>
           <p:cNvPicPr/>
           <p:nvPr/>
         </p:nvPicPr>
@@ -10832,7 +10858,7 @@
       </p:pic>
       <p:pic>
         <p:nvPicPr>
-          <p:cNvPr id="931137838" name="Google Shape;271;p32"/>
+          <p:cNvPr id="106760644" name="Google Shape;271;p32"/>
           <p:cNvPicPr/>
           <p:nvPr/>
         </p:nvPicPr>
@@ -10891,7 +10917,7 @@
       </p:grpSpPr>
       <p:sp>
         <p:nvSpPr>
-          <p:cNvPr id="2089973511" name="Google Shape;276;p33"/>
+          <p:cNvPr id="308884599" name="Google Shape;276;p33"/>
           <p:cNvSpPr txBox="1"/>
           <p:nvPr/>
         </p:nvSpPr>
@@ -10948,7 +10974,7 @@
       </p:sp>
       <p:sp>
         <p:nvSpPr>
-          <p:cNvPr id="1045453260" name="Google Shape;277;p33"/>
+          <p:cNvPr id="2076922271" name="Google Shape;277;p33"/>
           <p:cNvSpPr txBox="1"/>
           <p:nvPr/>
         </p:nvSpPr>
@@ -11006,7 +11032,7 @@
       </p:sp>
       <p:pic>
         <p:nvPicPr>
-          <p:cNvPr id="378438996" name="Google Shape;278;p33"/>
+          <p:cNvPr id="770354519" name="Google Shape;278;p33"/>
           <p:cNvPicPr/>
           <p:nvPr/>
         </p:nvPicPr>
@@ -11033,7 +11059,7 @@
       </p:pic>
       <p:pic>
         <p:nvPicPr>
-          <p:cNvPr id="1650093084" name="Google Shape;279;p33"/>
+          <p:cNvPr id="2141474942" name="Google Shape;279;p33"/>
           <p:cNvPicPr/>
           <p:nvPr/>
         </p:nvPicPr>
@@ -11093,7 +11119,7 @@
       </p:grpSpPr>
       <p:sp>
         <p:nvSpPr>
-          <p:cNvPr id="916302734" name="Прямоугольник 3"/>
+          <p:cNvPr id="936688304" name="Прямоугольник 3"/>
           <p:cNvSpPr/>
           <p:nvPr/>
         </p:nvSpPr>
@@ -11131,7 +11157,7 @@
       </p:sp>
       <p:sp>
         <p:nvSpPr>
-          <p:cNvPr id="1082106177" name="TextBox 4"/>
+          <p:cNvPr id="1283120439" name="TextBox 4"/>
           <p:cNvSpPr txBox="1"/>
           <p:nvPr/>
         </p:nvSpPr>
@@ -11172,7 +11198,7 @@
       </p:sp>
       <p:pic>
         <p:nvPicPr>
-          <p:cNvPr id="1465986301" name="Рисунок 5"/>
+          <p:cNvPr id="2057348172" name="Рисунок 5"/>
           <p:cNvPicPr>
             <a:picLocks noChangeAspect="1"/>
           </p:cNvPicPr>
@@ -11195,7 +11221,7 @@
       </p:pic>
       <p:sp>
         <p:nvSpPr>
-          <p:cNvPr id="1920129832" name="Заголовок 1"/>
+          <p:cNvPr id="2082732473" name="Заголовок 1"/>
           <p:cNvSpPr txBox="1"/>
           <p:nvPr/>
         </p:nvSpPr>
@@ -11280,7 +11306,7 @@
       </p:grpSpPr>
       <p:sp>
         <p:nvSpPr>
-          <p:cNvPr id="693908918" name="Заголовок 1"/>
+          <p:cNvPr id="51659472" name="Заголовок 1"/>
           <p:cNvSpPr txBox="1"/>
           <p:nvPr/>
         </p:nvSpPr>
@@ -11332,7 +11358,7 @@
       </p:sp>
       <p:sp>
         <p:nvSpPr>
-          <p:cNvPr id="1401725264" name="Прямоугольник 2"/>
+          <p:cNvPr id="1737267533" name="Прямоугольник 2"/>
           <p:cNvSpPr/>
           <p:nvPr/>
         </p:nvSpPr>
@@ -11370,7 +11396,7 @@
       </p:sp>
       <p:sp>
         <p:nvSpPr>
-          <p:cNvPr id="849340816" name="TextBox 3"/>
+          <p:cNvPr id="1504678040" name="TextBox 3"/>
           <p:cNvSpPr txBox="1"/>
           <p:nvPr/>
         </p:nvSpPr>
@@ -11584,7 +11610,7 @@
       </p:sp>
       <p:sp>
         <p:nvSpPr>
-          <p:cNvPr id="1643032500" name="Прямоугольник 4"/>
+          <p:cNvPr id="17540022" name="Прямоугольник 4"/>
           <p:cNvSpPr/>
           <p:nvPr/>
         </p:nvSpPr>
@@ -11631,7 +11657,7 @@
       </p:sp>
       <p:sp>
         <p:nvSpPr>
-          <p:cNvPr id="357076386" name="Прямоугольник 5"/>
+          <p:cNvPr id="197478497" name="Прямоугольник 5"/>
           <p:cNvSpPr/>
           <p:nvPr/>
         </p:nvSpPr>
@@ -11708,7 +11734,7 @@
       </p:grpSpPr>
       <p:sp>
         <p:nvSpPr>
-          <p:cNvPr id="742952862" name="Прямоугольник 2"/>
+          <p:cNvPr id="1006870564" name="Прямоугольник 2"/>
           <p:cNvSpPr/>
           <p:nvPr/>
         </p:nvSpPr>
@@ -11746,13 +11772,13 @@
       </p:sp>
       <p:sp>
         <p:nvSpPr>
-          <p:cNvPr id="1600788326" name="Прямоугольник 4"/>
+          <p:cNvPr id="1435587907" name="Прямоугольник 4"/>
           <p:cNvSpPr/>
           <p:nvPr/>
         </p:nvSpPr>
         <p:spPr bwMode="auto">
           <a:xfrm>
-            <a:off x="3992433" y="1809536"/>
+            <a:off x="3992432" y="1809536"/>
             <a:ext cx="1606847" cy="305159"/>
           </a:xfrm>
           <a:prstGeom prst="rect">
@@ -11797,13 +11823,13 @@
       </p:sp>
       <p:sp>
         <p:nvSpPr>
-          <p:cNvPr id="1750639929" name="Прямоугольник 5"/>
+          <p:cNvPr id="2029684257" name="Прямоугольник 5"/>
           <p:cNvSpPr/>
           <p:nvPr/>
         </p:nvSpPr>
         <p:spPr bwMode="auto">
           <a:xfrm>
-            <a:off x="3933121" y="2800676"/>
+            <a:off x="3933120" y="2800676"/>
             <a:ext cx="1695573" cy="305159"/>
           </a:xfrm>
           <a:prstGeom prst="rect">
@@ -11845,7 +11871,7 @@
       </p:sp>
       <p:sp>
         <p:nvSpPr>
-          <p:cNvPr id="914164490" name="Заголовок 1"/>
+          <p:cNvPr id="727784296" name="Заголовок 1"/>
           <p:cNvSpPr txBox="1"/>
           <p:nvPr/>
         </p:nvSpPr>
@@ -11897,7 +11923,7 @@
       </p:sp>
       <p:sp>
         <p:nvSpPr>
-          <p:cNvPr id="1883128239" name="TextBox 3"/>
+          <p:cNvPr id="220967715" name="TextBox 3"/>
           <p:cNvSpPr txBox="1"/>
           <p:nvPr/>
         </p:nvSpPr>
@@ -12049,13 +12075,13 @@
       </p:sp>
       <p:sp>
         <p:nvSpPr>
-          <p:cNvPr id="964634182" name="Прямоугольник 5"/>
+          <p:cNvPr id="257096917" name="Прямоугольник 5"/>
           <p:cNvSpPr/>
           <p:nvPr/>
         </p:nvSpPr>
         <p:spPr bwMode="auto">
           <a:xfrm>
-            <a:off x="3933121" y="3905575"/>
+            <a:off x="3933120" y="3905575"/>
             <a:ext cx="1715458" cy="305159"/>
           </a:xfrm>
           <a:prstGeom prst="rect">
@@ -12122,7 +12148,7 @@
       </p:grpSpPr>
       <p:sp>
         <p:nvSpPr>
-          <p:cNvPr id="799695316" name="Google Shape;144;p18"/>
+          <p:cNvPr id="1912187042" name="Google Shape;144;p18"/>
           <p:cNvSpPr txBox="1"/>
           <p:nvPr/>
         </p:nvSpPr>
@@ -12179,7 +12205,7 @@
       </p:sp>
       <p:sp>
         <p:nvSpPr>
-          <p:cNvPr id="698747363" name="Google Shape;145;p18"/>
+          <p:cNvPr id="1424053726" name="Google Shape;145;p18"/>
           <p:cNvSpPr txBox="1"/>
           <p:nvPr/>
         </p:nvSpPr>
@@ -12269,7 +12295,7 @@
       </p:sp>
       <p:pic>
         <p:nvPicPr>
-          <p:cNvPr id="1844377674" name="Google Shape;146;p18"/>
+          <p:cNvPr id="763966689" name="Google Shape;146;p18"/>
           <p:cNvPicPr/>
           <p:nvPr/>
         </p:nvPicPr>
@@ -12296,7 +12322,7 @@
       </p:pic>
       <p:pic>
         <p:nvPicPr>
-          <p:cNvPr id="20420759" name="Google Shape;147;p18"/>
+          <p:cNvPr id="583875275" name="Google Shape;147;p18"/>
           <p:cNvPicPr/>
           <p:nvPr/>
         </p:nvPicPr>
@@ -12356,7 +12382,7 @@
       </p:grpSpPr>
       <p:sp>
         <p:nvSpPr>
-          <p:cNvPr id="643341388" name="Google Shape;152;p19"/>
+          <p:cNvPr id="333302718" name="Google Shape;152;p19"/>
           <p:cNvSpPr txBox="1"/>
           <p:nvPr/>
         </p:nvSpPr>
@@ -12434,7 +12460,7 @@
       </p:sp>
       <p:sp>
         <p:nvSpPr>
-          <p:cNvPr id="1254896505" name="Google Shape;153;p19"/>
+          <p:cNvPr id="1324937216" name="Google Shape;153;p19"/>
           <p:cNvSpPr txBox="1"/>
           <p:nvPr/>
         </p:nvSpPr>
@@ -12542,7 +12568,7 @@
       </p:sp>
       <p:pic>
         <p:nvPicPr>
-          <p:cNvPr id="1861957378" name="Google Shape;154;p19"/>
+          <p:cNvPr id="1131354971" name="Google Shape;154;p19"/>
           <p:cNvPicPr/>
           <p:nvPr/>
         </p:nvPicPr>
@@ -12569,7 +12595,7 @@
       </p:pic>
       <p:pic>
         <p:nvPicPr>
-          <p:cNvPr id="1683127293" name="Google Shape;155;p19"/>
+          <p:cNvPr id="1504174011" name="Google Shape;155;p19"/>
           <p:cNvPicPr/>
           <p:nvPr/>
         </p:nvPicPr>
@@ -12629,7 +12655,7 @@
       </p:grpSpPr>
       <p:pic>
         <p:nvPicPr>
-          <p:cNvPr id="1873522008" name="Google Shape;160;p20"/>
+          <p:cNvPr id="635960572" name="Google Shape;160;p20"/>
           <p:cNvPicPr/>
           <p:nvPr/>
         </p:nvPicPr>
@@ -12656,7 +12682,7 @@
       </p:pic>
       <p:sp>
         <p:nvSpPr>
-          <p:cNvPr id="2135051" name="Google Shape;161;p20"/>
+          <p:cNvPr id="360099443" name="Google Shape;161;p20"/>
           <p:cNvSpPr txBox="1"/>
           <p:nvPr/>
         </p:nvSpPr>
@@ -12761,7 +12787,7 @@
       </p:sp>
       <p:pic>
         <p:nvPicPr>
-          <p:cNvPr id="1250515657" name="Google Shape;162;p20"/>
+          <p:cNvPr id="718294393" name="Google Shape;162;p20"/>
           <p:cNvPicPr/>
           <p:nvPr/>
         </p:nvPicPr>
@@ -12788,7 +12814,7 @@
       </p:pic>
       <p:sp>
         <p:nvSpPr>
-          <p:cNvPr id="71847165" name="Google Shape;163;p20"/>
+          <p:cNvPr id="316520626" name="Google Shape;163;p20"/>
           <p:cNvSpPr txBox="1"/>
           <p:nvPr/>
         </p:nvSpPr>
@@ -12899,7 +12925,7 @@
       </p:grpSpPr>
       <p:pic>
         <p:nvPicPr>
-          <p:cNvPr id="1993172400" name="Google Shape;168;p21"/>
+          <p:cNvPr id="1970188729" name="Google Shape;168;p21"/>
           <p:cNvPicPr/>
           <p:nvPr/>
         </p:nvPicPr>
@@ -12926,7 +12952,7 @@
       </p:pic>
       <p:sp>
         <p:nvSpPr>
-          <p:cNvPr id="1752401214" name="Google Shape;169;p21"/>
+          <p:cNvPr id="1105570767" name="Google Shape;169;p21"/>
           <p:cNvSpPr txBox="1"/>
           <p:nvPr/>
         </p:nvSpPr>
@@ -13004,7 +13030,7 @@
       </p:sp>
       <p:sp>
         <p:nvSpPr>
-          <p:cNvPr id="924747222" name="Google Shape;170;p21"/>
+          <p:cNvPr id="32118466" name="Google Shape;170;p21"/>
           <p:cNvSpPr txBox="1"/>
           <p:nvPr/>
         </p:nvSpPr>
@@ -13062,7 +13088,7 @@
       </p:sp>
       <p:pic>
         <p:nvPicPr>
-          <p:cNvPr id="259833329" name="Google Shape;171;p21"/>
+          <p:cNvPr id="2034089127" name="Google Shape;171;p21"/>
           <p:cNvPicPr/>
           <p:nvPr/>
         </p:nvPicPr>
@@ -13122,7 +13148,7 @@
       </p:grpSpPr>
       <p:sp>
         <p:nvSpPr>
-          <p:cNvPr id="943374116" name="Google Shape;198;p24"/>
+          <p:cNvPr id="865502065" name="Google Shape;198;p24"/>
           <p:cNvSpPr txBox="1"/>
           <p:nvPr/>
         </p:nvSpPr>
@@ -13179,7 +13205,7 @@
       </p:sp>
       <p:sp>
         <p:nvSpPr>
-          <p:cNvPr id="1813943669" name="Google Shape;199;p24"/>
+          <p:cNvPr id="53934994" name="Google Shape;199;p24"/>
           <p:cNvSpPr txBox="1"/>
           <p:nvPr/>
         </p:nvSpPr>
@@ -13237,7 +13263,7 @@
       </p:sp>
       <p:pic>
         <p:nvPicPr>
-          <p:cNvPr id="974931253" name="Google Shape;200;p24"/>
+          <p:cNvPr id="1433449037" name="Google Shape;200;p24"/>
           <p:cNvPicPr/>
           <p:nvPr/>
         </p:nvPicPr>
@@ -13264,7 +13290,7 @@
       </p:pic>
       <p:pic>
         <p:nvPicPr>
-          <p:cNvPr id="1751798312" name="Google Shape;201;p24"/>
+          <p:cNvPr id="1336515884" name="Google Shape;201;p24"/>
           <p:cNvPicPr/>
           <p:nvPr/>
         </p:nvPicPr>

--- a/Github presentation.pptx
+++ b/Github presentation.pptx
@@ -5,7 +5,7 @@
     <p:sldMasterId id="2147483648" r:id="rId1"/>
   </p:sldMasterIdLst>
   <p:notesMasterIdLst>
-    <p:notesMasterId r:id="rId23"/>
+    <p:notesMasterId r:id="rId24"/>
   </p:notesMasterIdLst>
   <p:sldIdLst>
     <p:sldId id="256" r:id="rId4"/>
@@ -27,6 +27,7 @@
     <p:sldId id="272" r:id="rId20"/>
     <p:sldId id="273" r:id="rId21"/>
     <p:sldId id="274" r:id="rId22"/>
+    <p:sldId id="275" r:id="rId23"/>
   </p:sldIdLst>
   <p:sldSz cx="9144000" cy="5143500"/>
   <p:notesSz cx="6858000" cy="9144000"/>
@@ -272,7 +273,7 @@
       </p:grpSpPr>
       <p:sp>
         <p:nvSpPr>
-          <p:cNvPr id="720572220" name="Google Shape;3;n"/>
+          <p:cNvPr id="2100315435" name="Google Shape;3;n"/>
           <p:cNvSpPr/>
           <p:nvPr>
             <p:ph type="sldImg" idx="2"/>
@@ -321,7 +322,7 @@
       </p:sp>
       <p:sp>
         <p:nvSpPr>
-          <p:cNvPr id="1339961313" name="Google Shape;4;n"/>
+          <p:cNvPr id="1422357897" name="Google Shape;4;n"/>
           <p:cNvSpPr txBox="1"/>
           <p:nvPr>
             <p:ph type="body" idx="1"/>
@@ -698,7 +699,7 @@
       </p:grpSpPr>
       <p:sp>
         <p:nvSpPr>
-          <p:cNvPr id="725949248" name="Google Shape;132;g110c578fab6_0_0:notes"/>
+          <p:cNvPr id="1657012772" name="Google Shape;132;g110c578fab6_0_0:notes"/>
           <p:cNvSpPr/>
           <p:nvPr>
             <p:ph type="sldImg" idx="2"/>
@@ -737,7 +738,7 @@
       </p:sp>
       <p:sp>
         <p:nvSpPr>
-          <p:cNvPr id="100126421" name="Google Shape;133;g110c578fab6_0_0:notes"/>
+          <p:cNvPr id="1104118772" name="Google Shape;133;g110c578fab6_0_0:notes"/>
           <p:cNvSpPr txBox="1"/>
           <p:nvPr>
             <p:ph type="body" idx="1"/>
@@ -799,7 +800,7 @@
       </p:grpSpPr>
       <p:sp>
         <p:nvSpPr>
-          <p:cNvPr id="867394888" name="Google Shape;203;g287182eb427_1_35:notes"/>
+          <p:cNvPr id="85134013" name="Google Shape;203;g287182eb427_1_35:notes"/>
           <p:cNvSpPr/>
           <p:nvPr>
             <p:ph type="sldImg" idx="2"/>
@@ -838,7 +839,7 @@
       </p:sp>
       <p:sp>
         <p:nvSpPr>
-          <p:cNvPr id="1499326129" name="Google Shape;204;g287182eb427_1_35:notes"/>
+          <p:cNvPr id="1091679757" name="Google Shape;204;g287182eb427_1_35:notes"/>
           <p:cNvSpPr txBox="1"/>
           <p:nvPr>
             <p:ph type="body" idx="1"/>
@@ -900,7 +901,7 @@
       </p:grpSpPr>
       <p:sp>
         <p:nvSpPr>
-          <p:cNvPr id="1873174141" name="Slide Image Placeholder 1"/>
+          <p:cNvPr id="1400935458" name="Slide Image Placeholder 1"/>
           <p:cNvSpPr>
             <a:spLocks noChangeAspect="1" noGrp="1" noRot="1"/>
           </p:cNvSpPr>
@@ -912,7 +913,7 @@
       </p:sp>
       <p:sp>
         <p:nvSpPr>
-          <p:cNvPr id="604210264" name="Notes Placeholder 2"/>
+          <p:cNvPr id="1521422219" name="Notes Placeholder 2"/>
           <p:cNvSpPr>
             <a:spLocks noGrp="1"/>
           </p:cNvSpPr>
@@ -934,7 +935,7 @@
       </p:sp>
       <p:sp>
         <p:nvSpPr>
-          <p:cNvPr id="2183540" name="Slide Number Placeholder 3"/>
+          <p:cNvPr id="1097559023" name="Slide Number Placeholder 3"/>
           <p:cNvSpPr>
             <a:spLocks noGrp="1"/>
           </p:cNvSpPr>
@@ -985,7 +986,7 @@
       </p:grpSpPr>
       <p:sp>
         <p:nvSpPr>
-          <p:cNvPr id="1182227390" name="Slide Image Placeholder 1"/>
+          <p:cNvPr id="585105208" name="Slide Image Placeholder 1"/>
           <p:cNvSpPr>
             <a:spLocks noChangeAspect="1" noGrp="1" noRot="1"/>
           </p:cNvSpPr>
@@ -997,7 +998,7 @@
       </p:sp>
       <p:sp>
         <p:nvSpPr>
-          <p:cNvPr id="21296491" name="Notes Placeholder 2"/>
+          <p:cNvPr id="548756787" name="Notes Placeholder 2"/>
           <p:cNvSpPr>
             <a:spLocks noGrp="1"/>
           </p:cNvSpPr>
@@ -1019,7 +1020,7 @@
       </p:sp>
       <p:sp>
         <p:nvSpPr>
-          <p:cNvPr id="1774068805" name="Slide Number Placeholder 3"/>
+          <p:cNvPr id="1502567465" name="Slide Number Placeholder 3"/>
           <p:cNvSpPr>
             <a:spLocks noGrp="1"/>
           </p:cNvSpPr>
@@ -1052,7 +1053,7 @@
 </file>
 
 <file path=ppt/notesSlides/notesSlide13.xml><?xml version="1.0" encoding="utf-8"?>
-<p:notes xmlns:a="http://schemas.openxmlformats.org/drawingml/2006/main" xmlns:r="http://schemas.openxmlformats.org/officeDocument/2006/relationships" xmlns:p="http://schemas.openxmlformats.org/presentationml/2006/main" xmlns:m="http://schemas.openxmlformats.org/officeDocument/2006/math" xmlns:w="http://schemas.openxmlformats.org/wordprocessingml/2006/main" showMasterPhAnim="0" showMasterSp="0">
+<p:notes xmlns:a="http://schemas.openxmlformats.org/drawingml/2006/main" xmlns:r="http://schemas.openxmlformats.org/officeDocument/2006/relationships" xmlns:p="http://schemas.openxmlformats.org/presentationml/2006/main" xmlns:m="http://schemas.openxmlformats.org/officeDocument/2006/math" xmlns:w="http://schemas.openxmlformats.org/wordprocessingml/2006/main">
   <p:cSld name="">
     <p:spTree>
       <p:nvGrpSpPr>
@@ -1070,76 +1071,60 @@
       </p:grpSpPr>
       <p:sp>
         <p:nvSpPr>
-          <p:cNvPr id="785461405" name="Google Shape;223;g287182eb427_1_60:notes"/>
-          <p:cNvSpPr/>
+          <p:cNvPr id="2" name="Slide Image Placeholder 1"/>
+          <p:cNvSpPr>
+            <a:spLocks noChangeAspect="1" noGrp="1" noRot="1"/>
+          </p:cNvSpPr>
           <p:nvPr>
-            <p:ph type="sldImg" idx="2"/>
+            <p:ph type="sldImg"/>
           </p:nvPr>
         </p:nvSpPr>
-        <p:spPr bwMode="auto">
-          <a:xfrm>
-            <a:off x="381300" y="685800"/>
-            <a:ext cx="6096000" cy="3429000"/>
-          </a:xfrm>
-          <a:custGeom>
-            <a:avLst/>
-            <a:gdLst/>
-            <a:ahLst/>
-            <a:cxnLst/>
-            <a:rect l="l" t="t" r="r" b="b"/>
-            <a:pathLst>
-              <a:path w="120000" h="120000" fill="norm" stroke="1" extrusionOk="0">
-                <a:moveTo>
-                  <a:pt x="0" y="0"/>
-                </a:moveTo>
-                <a:lnTo>
-                  <a:pt x="120000" y="0"/>
-                </a:lnTo>
-                <a:lnTo>
-                  <a:pt x="120000" y="120000"/>
-                </a:lnTo>
-                <a:lnTo>
-                  <a:pt x="0" y="120000"/>
-                </a:lnTo>
-                <a:close/>
-              </a:path>
-            </a:pathLst>
-          </a:custGeom>
-        </p:spPr>
+        <p:spPr bwMode="auto"/>
       </p:sp>
       <p:sp>
         <p:nvSpPr>
-          <p:cNvPr id="1013268321" name="Google Shape;224;g287182eb427_1_60:notes"/>
-          <p:cNvSpPr txBox="1"/>
+          <p:cNvPr id="3" name="Notes Placeholder 2"/>
+          <p:cNvSpPr>
+            <a:spLocks noGrp="1"/>
+          </p:cNvSpPr>
           <p:nvPr>
             <p:ph type="body" idx="1"/>
           </p:nvPr>
         </p:nvSpPr>
-        <p:spPr bwMode="auto">
-          <a:xfrm>
-            <a:off x="685800" y="4343400"/>
-            <a:ext cx="5486400" cy="4114800"/>
-          </a:xfrm>
-          <a:prstGeom prst="rect">
-            <a:avLst/>
-          </a:prstGeom>
-        </p:spPr>
+        <p:spPr bwMode="auto"/>
         <p:txBody>
-          <a:bodyPr spcFirstLastPara="1" wrap="square" lIns="91425" tIns="91425" rIns="91425" bIns="91425" anchor="t" anchorCtr="0">
-            <a:noAutofit/>
-          </a:bodyPr>
+          <a:bodyPr/>
           <a:lstStyle/>
           <a:p>
-            <a:pPr marL="0" lvl="0" indent="0" algn="l" rtl="0">
-              <a:spcBef>
-                <a:spcPts val="0"/>
-              </a:spcBef>
-              <a:spcAft>
-                <a:spcPts val="0"/>
-              </a:spcAft>
-              <a:buNone/>
+            <a:pPr>
               <a:defRPr/>
             </a:pPr>
+            <a:endParaRPr/>
+          </a:p>
+        </p:txBody>
+      </p:sp>
+      <p:sp>
+        <p:nvSpPr>
+          <p:cNvPr id="4" name="Slide Number Placeholder 3"/>
+          <p:cNvSpPr>
+            <a:spLocks noGrp="1"/>
+          </p:cNvSpPr>
+          <p:nvPr>
+            <p:ph type="sldNum" sz="quarter" idx="10"/>
+          </p:nvPr>
+        </p:nvSpPr>
+        <p:spPr bwMode="auto"/>
+        <p:txBody>
+          <a:bodyPr/>
+          <a:lstStyle/>
+          <a:p>
+            <a:pPr>
+              <a:defRPr/>
+            </a:pPr>
+            <a:fld id="{53C938CD-3C9E-384F-7623-755D25EE8DE2}" type="slidenum">
+              <a:rPr/>
+              <a:t/>
+            </a:fld>
             <a:endParaRPr/>
           </a:p>
         </p:txBody>
@@ -1171,7 +1156,7 @@
       </p:grpSpPr>
       <p:sp>
         <p:nvSpPr>
-          <p:cNvPr id="212619927" name="Google Shape;231;g287182eb427_1_69:notes"/>
+          <p:cNvPr id="1723331290" name="Google Shape;223;g287182eb427_1_60:notes"/>
           <p:cNvSpPr/>
           <p:nvPr>
             <p:ph type="sldImg" idx="2"/>
@@ -1210,7 +1195,7 @@
       </p:sp>
       <p:sp>
         <p:nvSpPr>
-          <p:cNvPr id="1600442298" name="Google Shape;232;g287182eb427_1_69:notes"/>
+          <p:cNvPr id="1632481822" name="Google Shape;224;g287182eb427_1_60:notes"/>
           <p:cNvSpPr txBox="1"/>
           <p:nvPr>
             <p:ph type="body" idx="1"/>
@@ -1272,7 +1257,7 @@
       </p:grpSpPr>
       <p:sp>
         <p:nvSpPr>
-          <p:cNvPr id="1504484178" name="Google Shape;239;g287182eb427_1_78:notes"/>
+          <p:cNvPr id="1520180011" name="Google Shape;231;g287182eb427_1_69:notes"/>
           <p:cNvSpPr/>
           <p:nvPr>
             <p:ph type="sldImg" idx="2"/>
@@ -1311,7 +1296,7 @@
       </p:sp>
       <p:sp>
         <p:nvSpPr>
-          <p:cNvPr id="1513693109" name="Google Shape;240;g287182eb427_1_78:notes"/>
+          <p:cNvPr id="354591573" name="Google Shape;232;g287182eb427_1_69:notes"/>
           <p:cNvSpPr txBox="1"/>
           <p:nvPr>
             <p:ph type="body" idx="1"/>
@@ -1373,7 +1358,7 @@
       </p:grpSpPr>
       <p:sp>
         <p:nvSpPr>
-          <p:cNvPr id="1467168868" name="Google Shape;248;g287ecc99806_0_0:notes"/>
+          <p:cNvPr id="986764079" name="Google Shape;239;g287182eb427_1_78:notes"/>
           <p:cNvSpPr/>
           <p:nvPr>
             <p:ph type="sldImg" idx="2"/>
@@ -1412,7 +1397,7 @@
       </p:sp>
       <p:sp>
         <p:nvSpPr>
-          <p:cNvPr id="1300993601" name="Google Shape;249;g287ecc99806_0_0:notes"/>
+          <p:cNvPr id="918034519" name="Google Shape;240;g287182eb427_1_78:notes"/>
           <p:cNvSpPr txBox="1"/>
           <p:nvPr>
             <p:ph type="body" idx="1"/>
@@ -1474,7 +1459,7 @@
       </p:grpSpPr>
       <p:sp>
         <p:nvSpPr>
-          <p:cNvPr id="1233133828" name="Google Shape;257;g287ecc99806_0_17:notes"/>
+          <p:cNvPr id="442359243" name="Google Shape;248;g287ecc99806_0_0:notes"/>
           <p:cNvSpPr/>
           <p:nvPr>
             <p:ph type="sldImg" idx="2"/>
@@ -1513,7 +1498,7 @@
       </p:sp>
       <p:sp>
         <p:nvSpPr>
-          <p:cNvPr id="1371802247" name="Google Shape;258;g287ecc99806_0_17:notes"/>
+          <p:cNvPr id="1497716520" name="Google Shape;249;g287ecc99806_0_0:notes"/>
           <p:cNvSpPr txBox="1"/>
           <p:nvPr>
             <p:ph type="body" idx="1"/>
@@ -1575,7 +1560,7 @@
       </p:grpSpPr>
       <p:sp>
         <p:nvSpPr>
-          <p:cNvPr id="1476622507" name="Google Shape;265;g287182eb427_1_89:notes"/>
+          <p:cNvPr id="1587882660" name="Google Shape;257;g287ecc99806_0_17:notes"/>
           <p:cNvSpPr/>
           <p:nvPr>
             <p:ph type="sldImg" idx="2"/>
@@ -1614,7 +1599,7 @@
       </p:sp>
       <p:sp>
         <p:nvSpPr>
-          <p:cNvPr id="47107698" name="Google Shape;266;g287182eb427_1_89:notes"/>
+          <p:cNvPr id="1471769225" name="Google Shape;258;g287ecc99806_0_17:notes"/>
           <p:cNvSpPr txBox="1"/>
           <p:nvPr>
             <p:ph type="body" idx="1"/>
@@ -1676,7 +1661,7 @@
       </p:grpSpPr>
       <p:sp>
         <p:nvSpPr>
-          <p:cNvPr id="842324721" name="Google Shape;273;g287ecc99806_0_27:notes"/>
+          <p:cNvPr id="1042021694" name="Google Shape;265;g287182eb427_1_89:notes"/>
           <p:cNvSpPr/>
           <p:nvPr>
             <p:ph type="sldImg" idx="2"/>
@@ -1715,7 +1700,7 @@
       </p:sp>
       <p:sp>
         <p:nvSpPr>
-          <p:cNvPr id="1553462010" name="Google Shape;274;g287ecc99806_0_27:notes"/>
+          <p:cNvPr id="485109830" name="Google Shape;266;g287182eb427_1_89:notes"/>
           <p:cNvSpPr txBox="1"/>
           <p:nvPr>
             <p:ph type="body" idx="1"/>
@@ -1777,7 +1762,7 @@
       </p:grpSpPr>
       <p:sp>
         <p:nvSpPr>
-          <p:cNvPr id="333082940" name="Slide Image Placeholder 1"/>
+          <p:cNvPr id="750992001" name="Slide Image Placeholder 1"/>
           <p:cNvSpPr>
             <a:spLocks noChangeAspect="1" noGrp="1" noRot="1"/>
           </p:cNvSpPr>
@@ -1789,7 +1774,7 @@
       </p:sp>
       <p:sp>
         <p:nvSpPr>
-          <p:cNvPr id="1303217764" name="Notes Placeholder 2"/>
+          <p:cNvPr id="291180858" name="Notes Placeholder 2"/>
           <p:cNvSpPr>
             <a:spLocks noGrp="1"/>
           </p:cNvSpPr>
@@ -1811,7 +1796,7 @@
       </p:sp>
       <p:sp>
         <p:nvSpPr>
-          <p:cNvPr id="2146939583" name="Slide Number Placeholder 3"/>
+          <p:cNvPr id="1699963120" name="Slide Number Placeholder 3"/>
           <p:cNvSpPr>
             <a:spLocks noGrp="1"/>
           </p:cNvSpPr>
@@ -1843,6 +1828,107 @@
 </p:notes>
 </file>
 
+<file path=ppt/notesSlides/notesSlide20.xml><?xml version="1.0" encoding="utf-8"?>
+<p:notes xmlns:a="http://schemas.openxmlformats.org/drawingml/2006/main" xmlns:r="http://schemas.openxmlformats.org/officeDocument/2006/relationships" xmlns:p="http://schemas.openxmlformats.org/presentationml/2006/main" xmlns:m="http://schemas.openxmlformats.org/officeDocument/2006/math" xmlns:w="http://schemas.openxmlformats.org/wordprocessingml/2006/main" showMasterPhAnim="0" showMasterSp="0">
+  <p:cSld name="">
+    <p:spTree>
+      <p:nvGrpSpPr>
+        <p:cNvPr id="1" name=""/>
+        <p:cNvGrpSpPr/>
+        <p:nvPr/>
+      </p:nvGrpSpPr>
+      <p:grpSpPr bwMode="auto">
+        <a:xfrm>
+          <a:off x="0" y="0"/>
+          <a:ext cx="0" cy="0"/>
+          <a:chOff x="0" y="0"/>
+          <a:chExt cx="0" cy="0"/>
+        </a:xfrm>
+      </p:grpSpPr>
+      <p:sp>
+        <p:nvSpPr>
+          <p:cNvPr id="1462853946" name="Google Shape;273;g287ecc99806_0_27:notes"/>
+          <p:cNvSpPr/>
+          <p:nvPr>
+            <p:ph type="sldImg" idx="2"/>
+          </p:nvPr>
+        </p:nvSpPr>
+        <p:spPr bwMode="auto">
+          <a:xfrm>
+            <a:off x="381300" y="685800"/>
+            <a:ext cx="6096000" cy="3429000"/>
+          </a:xfrm>
+          <a:custGeom>
+            <a:avLst/>
+            <a:gdLst/>
+            <a:ahLst/>
+            <a:cxnLst/>
+            <a:rect l="l" t="t" r="r" b="b"/>
+            <a:pathLst>
+              <a:path w="120000" h="120000" fill="norm" stroke="1" extrusionOk="0">
+                <a:moveTo>
+                  <a:pt x="0" y="0"/>
+                </a:moveTo>
+                <a:lnTo>
+                  <a:pt x="120000" y="0"/>
+                </a:lnTo>
+                <a:lnTo>
+                  <a:pt x="120000" y="120000"/>
+                </a:lnTo>
+                <a:lnTo>
+                  <a:pt x="0" y="120000"/>
+                </a:lnTo>
+                <a:close/>
+              </a:path>
+            </a:pathLst>
+          </a:custGeom>
+        </p:spPr>
+      </p:sp>
+      <p:sp>
+        <p:nvSpPr>
+          <p:cNvPr id="619677650" name="Google Shape;274;g287ecc99806_0_27:notes"/>
+          <p:cNvSpPr txBox="1"/>
+          <p:nvPr>
+            <p:ph type="body" idx="1"/>
+          </p:nvPr>
+        </p:nvSpPr>
+        <p:spPr bwMode="auto">
+          <a:xfrm>
+            <a:off x="685800" y="4343400"/>
+            <a:ext cx="5486400" cy="4114800"/>
+          </a:xfrm>
+          <a:prstGeom prst="rect">
+            <a:avLst/>
+          </a:prstGeom>
+        </p:spPr>
+        <p:txBody>
+          <a:bodyPr spcFirstLastPara="1" wrap="square" lIns="91425" tIns="91425" rIns="91425" bIns="91425" anchor="t" anchorCtr="0">
+            <a:noAutofit/>
+          </a:bodyPr>
+          <a:lstStyle/>
+          <a:p>
+            <a:pPr marL="0" lvl="0" indent="0" algn="l" rtl="0">
+              <a:spcBef>
+                <a:spcPts val="0"/>
+              </a:spcBef>
+              <a:spcAft>
+                <a:spcPts val="0"/>
+              </a:spcAft>
+              <a:buNone/>
+              <a:defRPr/>
+            </a:pPr>
+            <a:endParaRPr/>
+          </a:p>
+        </p:txBody>
+      </p:sp>
+    </p:spTree>
+  </p:cSld>
+  <p:clrMapOvr>
+    <a:masterClrMapping/>
+  </p:clrMapOvr>
+</p:notes>
+</file>
+
 <file path=ppt/notesSlides/notesSlide3.xml><?xml version="1.0" encoding="utf-8"?>
 <p:notes xmlns:a="http://schemas.openxmlformats.org/drawingml/2006/main" xmlns:r="http://schemas.openxmlformats.org/officeDocument/2006/relationships" xmlns:p="http://schemas.openxmlformats.org/presentationml/2006/main" xmlns:m="http://schemas.openxmlformats.org/officeDocument/2006/math" xmlns:w="http://schemas.openxmlformats.org/wordprocessingml/2006/main">
   <p:cSld name="">
@@ -1862,7 +1948,7 @@
       </p:grpSpPr>
       <p:sp>
         <p:nvSpPr>
-          <p:cNvPr id="1679051360" name="Slide Image Placeholder 1"/>
+          <p:cNvPr id="1845387812" name="Slide Image Placeholder 1"/>
           <p:cNvSpPr>
             <a:spLocks noChangeAspect="1" noGrp="1" noRot="1"/>
           </p:cNvSpPr>
@@ -1874,7 +1960,7 @@
       </p:sp>
       <p:sp>
         <p:nvSpPr>
-          <p:cNvPr id="1012878262" name="Notes Placeholder 2"/>
+          <p:cNvPr id="883233466" name="Notes Placeholder 2"/>
           <p:cNvSpPr>
             <a:spLocks noGrp="1"/>
           </p:cNvSpPr>
@@ -1896,7 +1982,7 @@
       </p:sp>
       <p:sp>
         <p:nvSpPr>
-          <p:cNvPr id="1684089175" name="Slide Number Placeholder 3"/>
+          <p:cNvPr id="914516837" name="Slide Number Placeholder 3"/>
           <p:cNvSpPr>
             <a:spLocks noGrp="1"/>
           </p:cNvSpPr>
@@ -1947,7 +2033,7 @@
       </p:grpSpPr>
       <p:sp>
         <p:nvSpPr>
-          <p:cNvPr id="1326232320" name="Slide Image Placeholder 1"/>
+          <p:cNvPr id="684238761" name="Slide Image Placeholder 1"/>
           <p:cNvSpPr>
             <a:spLocks noChangeAspect="1" noGrp="1" noRot="1"/>
           </p:cNvSpPr>
@@ -1959,7 +2045,7 @@
       </p:sp>
       <p:sp>
         <p:nvSpPr>
-          <p:cNvPr id="857146893" name="Notes Placeholder 2"/>
+          <p:cNvPr id="791160221" name="Notes Placeholder 2"/>
           <p:cNvSpPr>
             <a:spLocks noGrp="1"/>
           </p:cNvSpPr>
@@ -1981,7 +2067,7 @@
       </p:sp>
       <p:sp>
         <p:nvSpPr>
-          <p:cNvPr id="1344162472" name="Slide Number Placeholder 3"/>
+          <p:cNvPr id="921319257" name="Slide Number Placeholder 3"/>
           <p:cNvSpPr>
             <a:spLocks noGrp="1"/>
           </p:cNvSpPr>
@@ -2032,7 +2118,7 @@
       </p:grpSpPr>
       <p:sp>
         <p:nvSpPr>
-          <p:cNvPr id="55316885" name="Google Shape;141;g11262b15b87_0_18:notes"/>
+          <p:cNvPr id="1773274264" name="Google Shape;141;g11262b15b87_0_18:notes"/>
           <p:cNvSpPr/>
           <p:nvPr>
             <p:ph type="sldImg" idx="2"/>
@@ -2071,7 +2157,7 @@
       </p:sp>
       <p:sp>
         <p:nvSpPr>
-          <p:cNvPr id="209462783" name="Google Shape;142;g11262b15b87_0_18:notes"/>
+          <p:cNvPr id="2058055342" name="Google Shape;142;g11262b15b87_0_18:notes"/>
           <p:cNvSpPr txBox="1"/>
           <p:nvPr>
             <p:ph type="body" idx="1"/>
@@ -2133,7 +2219,7 @@
       </p:grpSpPr>
       <p:sp>
         <p:nvSpPr>
-          <p:cNvPr id="77237767" name="Google Shape;149;g124ec1c6ead_0_20:notes"/>
+          <p:cNvPr id="638078704" name="Google Shape;149;g124ec1c6ead_0_20:notes"/>
           <p:cNvSpPr/>
           <p:nvPr>
             <p:ph type="sldImg" idx="2"/>
@@ -2172,7 +2258,7 @@
       </p:sp>
       <p:sp>
         <p:nvSpPr>
-          <p:cNvPr id="662269857" name="Google Shape;150;g124ec1c6ead_0_20:notes"/>
+          <p:cNvPr id="1001521723" name="Google Shape;150;g124ec1c6ead_0_20:notes"/>
           <p:cNvSpPr txBox="1"/>
           <p:nvPr>
             <p:ph type="body" idx="1"/>
@@ -2234,7 +2320,7 @@
       </p:grpSpPr>
       <p:sp>
         <p:nvSpPr>
-          <p:cNvPr id="1108523102" name="Google Shape;157;g124f7ac5d67_0_14:notes"/>
+          <p:cNvPr id="1021512978" name="Google Shape;157;g124f7ac5d67_0_14:notes"/>
           <p:cNvSpPr/>
           <p:nvPr>
             <p:ph type="sldImg" idx="2"/>
@@ -2273,7 +2359,7 @@
       </p:sp>
       <p:sp>
         <p:nvSpPr>
-          <p:cNvPr id="1440678327" name="Google Shape;158;g124f7ac5d67_0_14:notes"/>
+          <p:cNvPr id="819200070" name="Google Shape;158;g124f7ac5d67_0_14:notes"/>
           <p:cNvSpPr txBox="1"/>
           <p:nvPr>
             <p:ph type="body" idx="1"/>
@@ -2335,7 +2421,7 @@
       </p:grpSpPr>
       <p:sp>
         <p:nvSpPr>
-          <p:cNvPr id="1746568533" name="Google Shape;165;g124ec1c6ead_0_5:notes"/>
+          <p:cNvPr id="1560777029" name="Google Shape;165;g124ec1c6ead_0_5:notes"/>
           <p:cNvSpPr/>
           <p:nvPr>
             <p:ph type="sldImg" idx="2"/>
@@ -2374,7 +2460,7 @@
       </p:sp>
       <p:sp>
         <p:nvSpPr>
-          <p:cNvPr id="1491651769" name="Google Shape;166;g124ec1c6ead_0_5:notes"/>
+          <p:cNvPr id="706515217" name="Google Shape;166;g124ec1c6ead_0_5:notes"/>
           <p:cNvSpPr txBox="1"/>
           <p:nvPr>
             <p:ph type="body" idx="1"/>
@@ -2436,7 +2522,7 @@
       </p:grpSpPr>
       <p:sp>
         <p:nvSpPr>
-          <p:cNvPr id="644995005" name="Google Shape;195;g287182eb427_1_17:notes"/>
+          <p:cNvPr id="317640911" name="Google Shape;195;g287182eb427_1_17:notes"/>
           <p:cNvSpPr/>
           <p:nvPr>
             <p:ph type="sldImg" idx="2"/>
@@ -2475,7 +2561,7 @@
       </p:sp>
       <p:sp>
         <p:nvSpPr>
-          <p:cNvPr id="82714577" name="Google Shape;196;g287182eb427_1_17:notes"/>
+          <p:cNvPr id="75153846" name="Google Shape;196;g287182eb427_1_17:notes"/>
           <p:cNvSpPr txBox="1"/>
           <p:nvPr>
             <p:ph type="body" idx="1"/>
@@ -2569,7 +2655,7 @@
       </p:grpSpPr>
       <p:pic>
         <p:nvPicPr>
-          <p:cNvPr id="193834788" name="Google Shape;104;p11"/>
+          <p:cNvPr id="1610561980" name="Google Shape;104;p11"/>
           <p:cNvPicPr/>
           <p:nvPr/>
         </p:nvPicPr>
@@ -2659,7 +2745,7 @@
       </p:grpSpPr>
       <p:pic>
         <p:nvPicPr>
-          <p:cNvPr id="576643888" name="Google Shape;107;p13"/>
+          <p:cNvPr id="295414323" name="Google Shape;107;p13"/>
           <p:cNvPicPr/>
           <p:nvPr/>
         </p:nvPicPr>
@@ -2685,7 +2771,7 @@
       </p:pic>
       <p:pic>
         <p:nvPicPr>
-          <p:cNvPr id="652930175" name="Google Shape;108;p13"/>
+          <p:cNvPr id="1177788941" name="Google Shape;108;p13"/>
           <p:cNvPicPr/>
           <p:nvPr/>
         </p:nvPicPr>
@@ -2712,7 +2798,7 @@
       </p:pic>
       <p:pic>
         <p:nvPicPr>
-          <p:cNvPr id="196425416" name="Google Shape;109;p13"/>
+          <p:cNvPr id="1515964661" name="Google Shape;109;p13"/>
           <p:cNvPicPr/>
           <p:nvPr/>
         </p:nvPicPr>
@@ -2770,7 +2856,7 @@
       </p:grpSpPr>
       <p:pic>
         <p:nvPicPr>
-          <p:cNvPr id="865683412" name="Google Shape;111;p14"/>
+          <p:cNvPr id="1507584314" name="Google Shape;111;p14"/>
           <p:cNvPicPr/>
           <p:nvPr/>
         </p:nvPicPr>
@@ -2796,7 +2882,7 @@
       </p:pic>
       <p:pic>
         <p:nvPicPr>
-          <p:cNvPr id="616051024" name="Google Shape;112;p14"/>
+          <p:cNvPr id="734419187" name="Google Shape;112;p14"/>
           <p:cNvPicPr/>
           <p:nvPr/>
         </p:nvPicPr>
@@ -2855,7 +2941,7 @@
       </p:grpSpPr>
       <p:pic>
         <p:nvPicPr>
-          <p:cNvPr id="1927674907" name="Google Shape;114;p15"/>
+          <p:cNvPr id="745948945" name="Google Shape;114;p15"/>
           <p:cNvPicPr/>
           <p:nvPr/>
         </p:nvPicPr>
@@ -2881,7 +2967,7 @@
       </p:pic>
       <p:pic>
         <p:nvPicPr>
-          <p:cNvPr id="855666771" name="Google Shape;115;p15"/>
+          <p:cNvPr id="1322753893" name="Google Shape;115;p15"/>
           <p:cNvPicPr/>
           <p:nvPr/>
         </p:nvPicPr>
@@ -2908,7 +2994,7 @@
       </p:pic>
       <p:pic>
         <p:nvPicPr>
-          <p:cNvPr id="1188264202" name="Google Shape;116;p15"/>
+          <p:cNvPr id="1232630483" name="Google Shape;116;p15"/>
           <p:cNvPicPr/>
           <p:nvPr/>
         </p:nvPicPr>
@@ -2967,7 +3053,7 @@
       </p:grpSpPr>
       <p:pic>
         <p:nvPicPr>
-          <p:cNvPr id="551143794" name="Google Shape;118;p16"/>
+          <p:cNvPr id="823234324" name="Google Shape;118;p16"/>
           <p:cNvPicPr/>
           <p:nvPr/>
         </p:nvPicPr>
@@ -2993,7 +3079,7 @@
       </p:pic>
       <p:pic>
         <p:nvPicPr>
-          <p:cNvPr id="1681139452" name="Google Shape;119;p16"/>
+          <p:cNvPr id="1244711899" name="Google Shape;119;p16"/>
           <p:cNvPicPr/>
           <p:nvPr/>
         </p:nvPicPr>
@@ -3020,7 +3106,7 @@
       </p:pic>
       <p:grpSp>
         <p:nvGrpSpPr>
-          <p:cNvPr id="146856786" name="Google Shape;120;p16"/>
+          <p:cNvPr id="1009779549" name="Google Shape;120;p16"/>
           <p:cNvGrpSpPr/>
           <p:nvPr/>
         </p:nvGrpSpPr>
@@ -3459,7 +3545,7 @@
       </p:grpSpPr>
       <p:pic>
         <p:nvPicPr>
-          <p:cNvPr id="1336710094" name="Google Shape;8;p3"/>
+          <p:cNvPr id="949071546" name="Google Shape;8;p3"/>
           <p:cNvPicPr/>
           <p:nvPr/>
         </p:nvPicPr>
@@ -3517,7 +3603,7 @@
       </p:grpSpPr>
       <p:pic>
         <p:nvPicPr>
-          <p:cNvPr id="1814870946" name="Google Shape;10;p4"/>
+          <p:cNvPr id="1804105168" name="Google Shape;10;p4"/>
           <p:cNvPicPr/>
           <p:nvPr/>
         </p:nvPicPr>
@@ -3543,7 +3629,7 @@
       </p:pic>
       <p:pic>
         <p:nvPicPr>
-          <p:cNvPr id="1595780721" name="Google Shape;11;p4"/>
+          <p:cNvPr id="322084241" name="Google Shape;11;p4"/>
           <p:cNvPicPr/>
           <p:nvPr/>
         </p:nvPicPr>
@@ -3601,7 +3687,7 @@
       </p:grpSpPr>
       <p:pic>
         <p:nvPicPr>
-          <p:cNvPr id="1654168861" name="Google Shape;13;p5"/>
+          <p:cNvPr id="1795873152" name="Google Shape;13;p5"/>
           <p:cNvPicPr/>
           <p:nvPr/>
         </p:nvPicPr>
@@ -3659,7 +3745,7 @@
       </p:grpSpPr>
       <p:pic>
         <p:nvPicPr>
-          <p:cNvPr id="223343456" name="Google Shape;15;p6"/>
+          <p:cNvPr id="10385852" name="Google Shape;15;p6"/>
           <p:cNvPicPr/>
           <p:nvPr/>
         </p:nvPicPr>
@@ -3685,7 +3771,7 @@
       </p:pic>
       <p:pic>
         <p:nvPicPr>
-          <p:cNvPr id="1490925008" name="Google Shape;16;p6"/>
+          <p:cNvPr id="1568941377" name="Google Shape;16;p6"/>
           <p:cNvPicPr/>
           <p:nvPr/>
         </p:nvPicPr>
@@ -3711,7 +3797,7 @@
       </p:pic>
       <p:sp>
         <p:nvSpPr>
-          <p:cNvPr id="2127336377" name="Google Shape;17;p6"/>
+          <p:cNvPr id="786985730" name="Google Shape;17;p6"/>
           <p:cNvSpPr txBox="1"/>
           <p:nvPr/>
         </p:nvSpPr>
@@ -3921,7 +4007,7 @@
       </p:sp>
       <p:sp>
         <p:nvSpPr>
-          <p:cNvPr id="1596792005" name="Google Shape;18;p6"/>
+          <p:cNvPr id="2133302611" name="Google Shape;18;p6"/>
           <p:cNvSpPr txBox="1"/>
           <p:nvPr/>
         </p:nvSpPr>
@@ -3981,7 +4067,7 @@
       </p:sp>
       <p:sp>
         <p:nvSpPr>
-          <p:cNvPr id="1056234129" name="Google Shape;19;p6"/>
+          <p:cNvPr id="1669623054" name="Google Shape;19;p6"/>
           <p:cNvSpPr txBox="1"/>
           <p:nvPr/>
         </p:nvSpPr>
@@ -4041,7 +4127,7 @@
       </p:sp>
       <p:sp>
         <p:nvSpPr>
-          <p:cNvPr id="1869286154" name="Google Shape;20;p6"/>
+          <p:cNvPr id="920974030" name="Google Shape;20;p6"/>
           <p:cNvSpPr txBox="1"/>
           <p:nvPr/>
         </p:nvSpPr>
@@ -4130,7 +4216,7 @@
       </p:grpSpPr>
       <p:pic>
         <p:nvPicPr>
-          <p:cNvPr id="1753287176" name="Google Shape;22;p7"/>
+          <p:cNvPr id="1369252768" name="Google Shape;22;p7"/>
           <p:cNvPicPr/>
           <p:nvPr/>
         </p:nvPicPr>
@@ -4156,7 +4242,7 @@
       </p:pic>
       <p:pic>
         <p:nvPicPr>
-          <p:cNvPr id="165856256" name="Google Shape;23;p7"/>
+          <p:cNvPr id="432011288" name="Google Shape;23;p7"/>
           <p:cNvPicPr/>
           <p:nvPr/>
         </p:nvPicPr>
@@ -4182,7 +4268,7 @@
       </p:pic>
       <p:sp>
         <p:nvSpPr>
-          <p:cNvPr id="1742611869" name="Google Shape;24;p7"/>
+          <p:cNvPr id="189243469" name="Google Shape;24;p7"/>
           <p:cNvSpPr txBox="1"/>
           <p:nvPr/>
         </p:nvSpPr>
@@ -4239,7 +4325,7 @@
       </p:sp>
       <p:grpSp>
         <p:nvGrpSpPr>
-          <p:cNvPr id="2134183445" name="Google Shape;25;p7"/>
+          <p:cNvPr id="381590729" name="Google Shape;25;p7"/>
           <p:cNvGrpSpPr/>
           <p:nvPr/>
         </p:nvGrpSpPr>
@@ -4607,7 +4693,7 @@
       </p:grpSp>
       <p:grpSp>
         <p:nvGrpSpPr>
-          <p:cNvPr id="1931636363" name="Google Shape;29;p7"/>
+          <p:cNvPr id="1096349531" name="Google Shape;29;p7"/>
           <p:cNvGrpSpPr/>
           <p:nvPr/>
         </p:nvGrpSpPr>
@@ -4844,7 +4930,7 @@
       </p:grpSp>
       <p:grpSp>
         <p:nvGrpSpPr>
-          <p:cNvPr id="1588117799" name="Google Shape;33;p7"/>
+          <p:cNvPr id="332486227" name="Google Shape;33;p7"/>
           <p:cNvGrpSpPr/>
           <p:nvPr/>
         </p:nvGrpSpPr>
@@ -5093,7 +5179,7 @@
       </p:grpSp>
       <p:pic>
         <p:nvPicPr>
-          <p:cNvPr id="1626904775" name="Google Shape;37;p7"/>
+          <p:cNvPr id="917780363" name="Google Shape;37;p7"/>
           <p:cNvPicPr/>
           <p:nvPr/>
         </p:nvPicPr>
@@ -5152,7 +5238,7 @@
       </p:grpSpPr>
       <p:pic>
         <p:nvPicPr>
-          <p:cNvPr id="1387924887" name="Google Shape;39;p8"/>
+          <p:cNvPr id="2002745838" name="Google Shape;39;p8"/>
           <p:cNvPicPr/>
           <p:nvPr/>
         </p:nvPicPr>
@@ -5178,7 +5264,7 @@
       </p:pic>
       <p:pic>
         <p:nvPicPr>
-          <p:cNvPr id="1567779960" name="Google Shape;40;p8"/>
+          <p:cNvPr id="278200293" name="Google Shape;40;p8"/>
           <p:cNvPicPr/>
           <p:nvPr/>
         </p:nvPicPr>
@@ -5204,7 +5290,7 @@
       </p:pic>
       <p:pic>
         <p:nvPicPr>
-          <p:cNvPr id="362421630" name="Google Shape;41;p8"/>
+          <p:cNvPr id="1704858664" name="Google Shape;41;p8"/>
           <p:cNvPicPr/>
           <p:nvPr/>
         </p:nvPicPr>
@@ -5231,7 +5317,7 @@
       </p:pic>
       <p:sp>
         <p:nvSpPr>
-          <p:cNvPr id="615989017" name="Google Shape;42;p8"/>
+          <p:cNvPr id="1568018284" name="Google Shape;42;p8"/>
           <p:cNvSpPr txBox="1"/>
           <p:nvPr/>
         </p:nvSpPr>
@@ -5288,7 +5374,7 @@
       </p:sp>
       <p:grpSp>
         <p:nvGrpSpPr>
-          <p:cNvPr id="696843514" name="Google Shape;43;p8"/>
+          <p:cNvPr id="1019015020" name="Google Shape;43;p8"/>
           <p:cNvGrpSpPr/>
           <p:nvPr/>
         </p:nvGrpSpPr>
@@ -5473,7 +5559,7 @@
       </p:grpSp>
       <p:grpSp>
         <p:nvGrpSpPr>
-          <p:cNvPr id="1078749207" name="Google Shape;47;p8"/>
+          <p:cNvPr id="531959086" name="Google Shape;47;p8"/>
           <p:cNvGrpSpPr/>
           <p:nvPr/>
         </p:nvGrpSpPr>
@@ -5850,7 +5936,7 @@
       </p:grpSp>
       <p:grpSp>
         <p:nvGrpSpPr>
-          <p:cNvPr id="1617709083" name="Google Shape;51;p8"/>
+          <p:cNvPr id="1057631574" name="Google Shape;51;p8"/>
           <p:cNvGrpSpPr/>
           <p:nvPr/>
         </p:nvGrpSpPr>
@@ -6067,7 +6153,7 @@
       </p:grpSp>
       <p:grpSp>
         <p:nvGrpSpPr>
-          <p:cNvPr id="2087455049" name="Google Shape;55;p8"/>
+          <p:cNvPr id="1098401819" name="Google Shape;55;p8"/>
           <p:cNvGrpSpPr/>
           <p:nvPr/>
         </p:nvGrpSpPr>
@@ -6284,7 +6370,7 @@
       </p:grpSpPr>
       <p:pic>
         <p:nvPicPr>
-          <p:cNvPr id="1443140316" name="Google Shape;60;p9"/>
+          <p:cNvPr id="246868250" name="Google Shape;60;p9"/>
           <p:cNvPicPr/>
           <p:nvPr/>
         </p:nvPicPr>
@@ -6310,7 +6396,7 @@
       </p:pic>
       <p:pic>
         <p:nvPicPr>
-          <p:cNvPr id="1886986712" name="Google Shape;61;p9"/>
+          <p:cNvPr id="1082653936" name="Google Shape;61;p9"/>
           <p:cNvPicPr/>
           <p:nvPr/>
         </p:nvPicPr>
@@ -6336,7 +6422,7 @@
       </p:pic>
       <p:sp>
         <p:nvSpPr>
-          <p:cNvPr id="545629653" name="Google Shape;62;p9"/>
+          <p:cNvPr id="1498257263" name="Google Shape;62;p9"/>
           <p:cNvSpPr txBox="1"/>
           <p:nvPr/>
         </p:nvSpPr>
@@ -6393,7 +6479,7 @@
       </p:sp>
       <p:sp>
         <p:nvSpPr>
-          <p:cNvPr id="21743339" name="Google Shape;63;p9"/>
+          <p:cNvPr id="1856219261" name="Google Shape;63;p9"/>
           <p:cNvSpPr txBox="1"/>
           <p:nvPr/>
         </p:nvSpPr>
@@ -6447,7 +6533,7 @@
       </p:sp>
       <p:sp>
         <p:nvSpPr>
-          <p:cNvPr id="2011894432" name="Google Shape;64;p9"/>
+          <p:cNvPr id="946968190" name="Google Shape;64;p9"/>
           <p:cNvSpPr txBox="1"/>
           <p:nvPr/>
         </p:nvSpPr>
@@ -6501,7 +6587,7 @@
       </p:sp>
       <p:sp>
         <p:nvSpPr>
-          <p:cNvPr id="323814337" name="Google Shape;65;p9"/>
+          <p:cNvPr id="1932772461" name="Google Shape;65;p9"/>
           <p:cNvSpPr txBox="1"/>
           <p:nvPr/>
         </p:nvSpPr>
@@ -6555,7 +6641,7 @@
       </p:sp>
       <p:sp>
         <p:nvSpPr>
-          <p:cNvPr id="1595525637" name="Google Shape;66;p9"/>
+          <p:cNvPr id="2126607304" name="Google Shape;66;p9"/>
           <p:cNvSpPr txBox="1"/>
           <p:nvPr/>
         </p:nvSpPr>
@@ -6609,7 +6695,7 @@
       </p:sp>
       <p:sp>
         <p:nvSpPr>
-          <p:cNvPr id="1301588285" name="Google Shape;67;p9"/>
+          <p:cNvPr id="1235110569" name="Google Shape;67;p9"/>
           <p:cNvSpPr txBox="1"/>
           <p:nvPr/>
         </p:nvSpPr>
@@ -6663,7 +6749,7 @@
       </p:sp>
       <p:sp>
         <p:nvSpPr>
-          <p:cNvPr id="1676199263" name="Google Shape;68;p9"/>
+          <p:cNvPr id="1342139385" name="Google Shape;68;p9"/>
           <p:cNvSpPr txBox="1"/>
           <p:nvPr/>
         </p:nvSpPr>
@@ -6717,7 +6803,7 @@
       </p:sp>
       <p:sp>
         <p:nvSpPr>
-          <p:cNvPr id="1442234004" name="Google Shape;69;p9"/>
+          <p:cNvPr id="1406102778" name="Google Shape;69;p9"/>
           <p:cNvSpPr txBox="1"/>
           <p:nvPr/>
         </p:nvSpPr>
@@ -6771,7 +6857,7 @@
       </p:sp>
       <p:sp>
         <p:nvSpPr>
-          <p:cNvPr id="180841142" name="Google Shape;70;p9"/>
+          <p:cNvPr id="1088336261" name="Google Shape;70;p9"/>
           <p:cNvSpPr txBox="1"/>
           <p:nvPr/>
         </p:nvSpPr>
@@ -6825,7 +6911,7 @@
       </p:sp>
       <p:sp>
         <p:nvSpPr>
-          <p:cNvPr id="1383023981" name="Google Shape;71;p9"/>
+          <p:cNvPr id="107886824" name="Google Shape;71;p9"/>
           <p:cNvSpPr txBox="1"/>
           <p:nvPr/>
         </p:nvSpPr>
@@ -6879,7 +6965,7 @@
       </p:sp>
       <p:sp>
         <p:nvSpPr>
-          <p:cNvPr id="1428655020" name="Google Shape;72;p9"/>
+          <p:cNvPr id="1732703392" name="Google Shape;72;p9"/>
           <p:cNvSpPr txBox="1"/>
           <p:nvPr/>
         </p:nvSpPr>
@@ -6933,7 +7019,7 @@
       </p:sp>
       <p:sp>
         <p:nvSpPr>
-          <p:cNvPr id="312245937" name="Google Shape;73;p9"/>
+          <p:cNvPr id="1811037638" name="Google Shape;73;p9"/>
           <p:cNvSpPr txBox="1"/>
           <p:nvPr/>
         </p:nvSpPr>
@@ -6987,7 +7073,7 @@
       </p:sp>
       <p:grpSp>
         <p:nvGrpSpPr>
-          <p:cNvPr id="1785627131" name="Google Shape;74;p9"/>
+          <p:cNvPr id="1011904314" name="Google Shape;74;p9"/>
           <p:cNvGrpSpPr/>
           <p:nvPr/>
         </p:nvGrpSpPr>
@@ -7179,7 +7265,7 @@
       </p:grpSp>
       <p:pic>
         <p:nvPicPr>
-          <p:cNvPr id="595890627" name="Google Shape;78;p9"/>
+          <p:cNvPr id="894273438" name="Google Shape;78;p9"/>
           <p:cNvPicPr/>
           <p:nvPr/>
         </p:nvPicPr>
@@ -7205,7 +7291,7 @@
       </p:pic>
       <p:pic>
         <p:nvPicPr>
-          <p:cNvPr id="1400849303" name="Google Shape;79;p9"/>
+          <p:cNvPr id="462634441" name="Google Shape;79;p9"/>
           <p:cNvPicPr/>
           <p:nvPr/>
         </p:nvPicPr>
@@ -7231,7 +7317,7 @@
       </p:pic>
       <p:pic>
         <p:nvPicPr>
-          <p:cNvPr id="1736810084" name="Google Shape;80;p9"/>
+          <p:cNvPr id="996851004" name="Google Shape;80;p9"/>
           <p:cNvPicPr/>
           <p:nvPr/>
         </p:nvPicPr>
@@ -7257,7 +7343,7 @@
       </p:pic>
       <p:pic>
         <p:nvPicPr>
-          <p:cNvPr id="916940582" name="Google Shape;81;p9"/>
+          <p:cNvPr id="394869497" name="Google Shape;81;p9"/>
           <p:cNvPicPr/>
           <p:nvPr/>
         </p:nvPicPr>
@@ -7283,7 +7369,7 @@
       </p:pic>
       <p:pic>
         <p:nvPicPr>
-          <p:cNvPr id="819012989" name="Google Shape;82;p9"/>
+          <p:cNvPr id="129471129" name="Google Shape;82;p9"/>
           <p:cNvPicPr/>
           <p:nvPr/>
         </p:nvPicPr>
@@ -7309,7 +7395,7 @@
       </p:pic>
       <p:pic>
         <p:nvPicPr>
-          <p:cNvPr id="549968796" name="Google Shape;83;p9"/>
+          <p:cNvPr id="30368094" name="Google Shape;83;p9"/>
           <p:cNvPicPr/>
           <p:nvPr/>
         </p:nvPicPr>
@@ -7335,7 +7421,7 @@
       </p:pic>
       <p:pic>
         <p:nvPicPr>
-          <p:cNvPr id="2139848899" name="Google Shape;84;p9"/>
+          <p:cNvPr id="1575741334" name="Google Shape;84;p9"/>
           <p:cNvPicPr/>
           <p:nvPr/>
         </p:nvPicPr>
@@ -7361,7 +7447,7 @@
       </p:pic>
       <p:pic>
         <p:nvPicPr>
-          <p:cNvPr id="520867600" name="Google Shape;85;p9"/>
+          <p:cNvPr id="15429854" name="Google Shape;85;p9"/>
           <p:cNvPicPr/>
           <p:nvPr/>
         </p:nvPicPr>
@@ -7387,7 +7473,7 @@
       </p:pic>
       <p:pic>
         <p:nvPicPr>
-          <p:cNvPr id="1542702222" name="Google Shape;86;p9"/>
+          <p:cNvPr id="98987917" name="Google Shape;86;p9"/>
           <p:cNvPicPr/>
           <p:nvPr/>
         </p:nvPicPr>
@@ -7413,7 +7499,7 @@
       </p:pic>
       <p:pic>
         <p:nvPicPr>
-          <p:cNvPr id="272122113" name="Google Shape;87;p9"/>
+          <p:cNvPr id="1761198215" name="Google Shape;87;p9"/>
           <p:cNvPicPr/>
           <p:nvPr/>
         </p:nvPicPr>
@@ -7471,7 +7557,7 @@
       </p:grpSpPr>
       <p:pic>
         <p:nvPicPr>
-          <p:cNvPr id="167994078" name="Google Shape;89;p10"/>
+          <p:cNvPr id="193307128" name="Google Shape;89;p10"/>
           <p:cNvPicPr/>
           <p:nvPr/>
         </p:nvPicPr>
@@ -7497,7 +7583,7 @@
       </p:pic>
       <p:pic>
         <p:nvPicPr>
-          <p:cNvPr id="2065742498" name="Google Shape;90;p10"/>
+          <p:cNvPr id="917915532" name="Google Shape;90;p10"/>
           <p:cNvPicPr/>
           <p:nvPr/>
         </p:nvPicPr>
@@ -7523,7 +7609,7 @@
       </p:pic>
       <p:sp>
         <p:nvSpPr>
-          <p:cNvPr id="1731006842" name="Google Shape;91;p10"/>
+          <p:cNvPr id="127593737" name="Google Shape;91;p10"/>
           <p:cNvSpPr/>
           <p:nvPr/>
         </p:nvSpPr>
@@ -7564,7 +7650,7 @@
       </p:sp>
       <p:pic>
         <p:nvPicPr>
-          <p:cNvPr id="1471478740" name="Google Shape;92;p10"/>
+          <p:cNvPr id="1087152094" name="Google Shape;92;p10"/>
           <p:cNvPicPr/>
           <p:nvPr/>
         </p:nvPicPr>
@@ -7591,7 +7677,7 @@
       </p:pic>
       <p:grpSp>
         <p:nvGrpSpPr>
-          <p:cNvPr id="1902620721" name="Google Shape;93;p10"/>
+          <p:cNvPr id="1167590740" name="Google Shape;93;p10"/>
           <p:cNvGrpSpPr/>
           <p:nvPr/>
         </p:nvGrpSpPr>
@@ -7971,7 +8057,7 @@
       </p:grpSp>
       <p:pic>
         <p:nvPicPr>
-          <p:cNvPr id="551603455" name="Google Shape;102;p10"/>
+          <p:cNvPr id="879472609" name="Google Shape;102;p10"/>
           <p:cNvPicPr/>
           <p:nvPr/>
         </p:nvPicPr>
@@ -8733,7 +8819,7 @@
       </p:grpSpPr>
       <p:sp>
         <p:nvSpPr>
-          <p:cNvPr id="1958229441" name="Google Shape;135;p17"/>
+          <p:cNvPr id="272097725" name="Google Shape;135;p17"/>
           <p:cNvSpPr txBox="1"/>
           <p:nvPr/>
         </p:nvSpPr>
@@ -8793,7 +8879,7 @@
       </p:sp>
       <p:pic>
         <p:nvPicPr>
-          <p:cNvPr id="1416356266" name="Google Shape;136;p17"/>
+          <p:cNvPr id="1612088614" name="Google Shape;136;p17"/>
           <p:cNvPicPr/>
           <p:nvPr/>
         </p:nvPicPr>
@@ -8820,7 +8906,7 @@
       </p:pic>
       <p:sp>
         <p:nvSpPr>
-          <p:cNvPr id="254947156" name="Google Shape;137;p17"/>
+          <p:cNvPr id="805440687" name="Google Shape;137;p17"/>
           <p:cNvSpPr txBox="1"/>
           <p:nvPr/>
         </p:nvSpPr>
@@ -8937,7 +9023,7 @@
       </p:sp>
       <p:pic>
         <p:nvPicPr>
-          <p:cNvPr id="725109249" name="Google Shape;138;p17"/>
+          <p:cNvPr id="112422488" name="Google Shape;138;p17"/>
           <p:cNvPicPr/>
           <p:nvPr/>
         </p:nvPicPr>
@@ -8996,7 +9082,7 @@
       </p:grpSpPr>
       <p:pic>
         <p:nvPicPr>
-          <p:cNvPr id="1187599039" name="Google Shape;206;p25"/>
+          <p:cNvPr id="1244282286" name="Google Shape;206;p25"/>
           <p:cNvPicPr/>
           <p:nvPr/>
         </p:nvPicPr>
@@ -9023,7 +9109,7 @@
       </p:pic>
       <p:sp>
         <p:nvSpPr>
-          <p:cNvPr id="1627851264" name="Google Shape;207;p25"/>
+          <p:cNvPr id="2007309976" name="Google Shape;207;p25"/>
           <p:cNvSpPr txBox="1"/>
           <p:nvPr/>
         </p:nvSpPr>
@@ -9080,7 +9166,7 @@
       </p:sp>
       <p:sp>
         <p:nvSpPr>
-          <p:cNvPr id="170896365" name="Google Shape;208;p25"/>
+          <p:cNvPr id="613962219" name="Google Shape;208;p25"/>
           <p:cNvSpPr txBox="1"/>
           <p:nvPr/>
         </p:nvSpPr>
@@ -9147,7 +9233,7 @@
       </p:sp>
       <p:pic>
         <p:nvPicPr>
-          <p:cNvPr id="2064109633" name="Google Shape;209;p25"/>
+          <p:cNvPr id="580040596" name="Google Shape;209;p25"/>
           <p:cNvPicPr/>
           <p:nvPr/>
         </p:nvPicPr>
@@ -9174,7 +9260,7 @@
       </p:pic>
       <p:pic>
         <p:nvPicPr>
-          <p:cNvPr id="1815415681" name=""/>
+          <p:cNvPr id="598085715" name=""/>
           <p:cNvPicPr>
             <a:picLocks noChangeAspect="1"/>
           </p:cNvPicPr>
@@ -9229,7 +9315,7 @@
       </p:grpSpPr>
       <p:pic>
         <p:nvPicPr>
-          <p:cNvPr id="660036444" name="Рисунок 2"/>
+          <p:cNvPr id="2124164149" name="Рисунок 2"/>
           <p:cNvPicPr>
             <a:picLocks noChangeAspect="1"/>
           </p:cNvPicPr>
@@ -9251,7 +9337,7 @@
       </p:pic>
       <p:sp>
         <p:nvSpPr>
-          <p:cNvPr id="383540827" name="Заголовок 1"/>
+          <p:cNvPr id="1728040949" name="Заголовок 1"/>
           <p:cNvSpPr txBox="1"/>
           <p:nvPr/>
         </p:nvSpPr>
@@ -9336,7 +9422,7 @@
       </p:grpSpPr>
       <p:sp>
         <p:nvSpPr>
-          <p:cNvPr id="1720851005" name="Прямоугольник 1"/>
+          <p:cNvPr id="1270717274" name="Прямоугольник 1"/>
           <p:cNvSpPr/>
           <p:nvPr/>
         </p:nvSpPr>
@@ -9384,7 +9470,7 @@
       </p:sp>
       <p:sp>
         <p:nvSpPr>
-          <p:cNvPr id="2000856112" name="Прямоугольник 2"/>
+          <p:cNvPr id="786772045" name="Прямоугольник 2"/>
           <p:cNvSpPr/>
           <p:nvPr/>
         </p:nvSpPr>
@@ -9567,223 +9653,189 @@
           <a:chExt cx="0" cy="0"/>
         </a:xfrm>
       </p:grpSpPr>
-      <p:pic>
-        <p:nvPicPr>
-          <p:cNvPr id="1204014451" name="Google Shape;226;p27"/>
-          <p:cNvPicPr/>
-          <p:nvPr/>
-        </p:nvPicPr>
-        <p:blipFill rotWithShape="1">
-          <a:blip r:embed="rId3">
-            <a:alphaModFix/>
-          </a:blip>
-          <a:srcRect l="-849" t="-51" r="9533" b="57488"/>
-          <a:stretch/>
-        </p:blipFill>
-        <p:spPr bwMode="auto">
-          <a:xfrm rot="-5400000">
-            <a:off x="6392938" y="2392439"/>
-            <a:ext cx="3752950" cy="1749175"/>
-          </a:xfrm>
-          <a:prstGeom prst="rect">
-            <a:avLst/>
-          </a:prstGeom>
-          <a:noFill/>
-          <a:ln>
-            <a:noFill/>
-          </a:ln>
-        </p:spPr>
-      </p:pic>
       <p:sp>
         <p:nvSpPr>
-          <p:cNvPr id="2052198460" name="Google Shape;227;p27"/>
+          <p:cNvPr id="1535783483" name=""/>
           <p:cNvSpPr txBox="1"/>
           <p:nvPr/>
         </p:nvSpPr>
         <p:spPr bwMode="auto">
-          <a:xfrm>
-            <a:off x="352600" y="608750"/>
-            <a:ext cx="8143200" cy="706800"/>
+          <a:xfrm rot="0" flipH="0" flipV="0">
+            <a:off x="1306981" y="1089276"/>
+            <a:ext cx="6262204" cy="3505559"/>
           </a:xfrm>
           <a:prstGeom prst="rect">
             <a:avLst/>
           </a:prstGeom>
           <a:noFill/>
-          <a:ln>
-            <a:noFill/>
-          </a:ln>
         </p:spPr>
         <p:txBody>
-          <a:bodyPr spcFirstLastPara="1" wrap="square" lIns="91425" tIns="91425" rIns="91425" bIns="91425" anchor="t" anchorCtr="0">
-            <a:noAutofit/>
+          <a:bodyPr vertOverflow="overflow" horzOverflow="overflow" vert="horz" wrap="square" lIns="91440" tIns="45720" rIns="91440" bIns="45720" numCol="1" spcCol="0" rtlCol="0" fromWordArt="0" anchor="t" anchorCtr="0" forceAA="0" upright="0" compatLnSpc="0">
+            <a:spAutoFit/>
           </a:bodyPr>
-          <a:lstStyle/>
           <a:p>
-            <a:pPr marL="0" lvl="0" indent="0" algn="l" rtl="0">
-              <a:spcBef>
-                <a:spcPts val="0"/>
-              </a:spcBef>
-              <a:spcAft>
-                <a:spcPts val="0"/>
-              </a:spcAft>
-              <a:buNone/>
+            <a:pPr algn="l">
               <a:defRPr/>
             </a:pPr>
             <a:r>
-              <a:rPr lang="ru" sz="3000" b="1">
-                <a:solidFill>
-                  <a:srgbClr val="1A2028"/>
-                </a:solidFill>
-                <a:latin typeface="Montserrat Alternates"/>
-                <a:ea typeface="Montserrat Alternates"/>
-                <a:cs typeface="Montserrat Alternates"/>
-              </a:rPr>
-              <a:t>Создание Pull request</a:t>
-            </a:r>
-            <a:endParaRPr sz="3000" b="1">
-              <a:solidFill>
-                <a:srgbClr val="1A2028"/>
-              </a:solidFill>
-              <a:latin typeface="Montserrat Alternates"/>
-              <a:ea typeface="Montserrat Alternates"/>
-              <a:cs typeface="Montserrat Alternates"/>
-            </a:endParaRPr>
+              <a:rPr sz="1600"/>
+              <a:t>git init = инициализировать проект для использования git</a:t>
+            </a:r>
+            <a:endParaRPr sz="1600"/>
+          </a:p>
+          <a:p>
+            <a:pPr algn="l">
+              <a:defRPr/>
+            </a:pPr>
+            <a:r>
+              <a:rPr sz="1600"/>
+              <a:t>git add . = добавить все изменения для сохранения</a:t>
+            </a:r>
+            <a:endParaRPr sz="1600"/>
+          </a:p>
+          <a:p>
+            <a:pPr algn="l">
+              <a:defRPr/>
+            </a:pPr>
+            <a:r>
+              <a:rPr sz="1600"/>
+              <a:t>git add *filename* = добавить один файл для сохранения</a:t>
+            </a:r>
+            <a:endParaRPr sz="1600"/>
+          </a:p>
+          <a:p>
+            <a:pPr algn="l">
+              <a:defRPr/>
+            </a:pPr>
+            <a:r>
+              <a:rPr sz="1600"/>
+              <a:t>git commit -m "message" = сохранить изменения с сообщением</a:t>
+            </a:r>
+            <a:endParaRPr sz="1600"/>
+          </a:p>
+          <a:p>
+            <a:pPr algn="l">
+              <a:defRPr/>
+            </a:pPr>
+            <a:r>
+              <a:rPr sz="1600"/>
+              <a:t>git push origin master = отправить изменения в GitHub (ветка master)</a:t>
+            </a:r>
+            <a:endParaRPr sz="1600"/>
+          </a:p>
+          <a:p>
+            <a:pPr algn="l">
+              <a:defRPr/>
+            </a:pPr>
+            <a:r>
+              <a:rPr sz="1600"/>
+              <a:t>git push origin new-branch = отправить изменения в GitHub (ветка new-branch)</a:t>
+            </a:r>
+            <a:endParaRPr sz="1600"/>
+          </a:p>
+          <a:p>
+            <a:pPr algn="l">
+              <a:defRPr/>
+            </a:pPr>
+            <a:r>
+              <a:rPr sz="1600"/>
+              <a:t>git pull origin master = получить изменения из GitHub (ветка master)</a:t>
+            </a:r>
+            <a:endParaRPr sz="1600"/>
+          </a:p>
+          <a:p>
+            <a:pPr algn="l">
+              <a:defRPr/>
+            </a:pPr>
+            <a:r>
+              <a:rPr sz="1600"/>
+              <a:t>git checkout -b new-branch = создать новую ветку</a:t>
+            </a:r>
+            <a:endParaRPr sz="1600"/>
+          </a:p>
+          <a:p>
+            <a:pPr algn="l">
+              <a:defRPr/>
+            </a:pPr>
+            <a:r>
+              <a:rPr sz="1600"/>
+              <a:t>git status = проверить статус изменений</a:t>
+            </a:r>
+            <a:endParaRPr sz="1600"/>
+          </a:p>
+          <a:p>
+            <a:pPr algn="l">
+              <a:defRPr/>
+            </a:pPr>
+            <a:r>
+              <a:rPr sz="1600"/>
+              <a:t>git log = посмотреть все предыдущие сохранения (коммиты)</a:t>
+            </a:r>
+            <a:endParaRPr sz="1600"/>
+          </a:p>
+          <a:p>
+            <a:pPr algn="l">
+              <a:defRPr/>
+            </a:pPr>
+            <a:r>
+              <a:rPr sz="1600"/>
+              <a:t>git checkout *commit hash* = перейти к старому коммиту</a:t>
+            </a:r>
+            <a:endParaRPr sz="1600"/>
           </a:p>
         </p:txBody>
       </p:sp>
       <p:sp>
         <p:nvSpPr>
-          <p:cNvPr id="278587008" name="Google Shape;228;p27"/>
+          <p:cNvPr id="108388444" name="Заголовок 1"/>
           <p:cNvSpPr txBox="1"/>
           <p:nvPr/>
         </p:nvSpPr>
         <p:spPr bwMode="auto">
           <a:xfrm>
-            <a:off x="352600" y="1350000"/>
-            <a:ext cx="8640900" cy="1139100"/>
-          </a:xfrm>
-          <a:prstGeom prst="rect">
-            <a:avLst/>
-          </a:prstGeom>
-          <a:noFill/>
-          <a:ln>
-            <a:noFill/>
-          </a:ln>
+            <a:off x="-563337" y="-54768"/>
+            <a:ext cx="10515600" cy="1325561"/>
+          </a:xfrm>
+          <a:prstGeom prst="rect">
+            <a:avLst/>
+          </a:prstGeom>
         </p:spPr>
         <p:txBody>
-          <a:bodyPr spcFirstLastPara="1" wrap="square" lIns="91425" tIns="91425" rIns="91425" bIns="91425" anchor="t" anchorCtr="0">
-            <a:spAutoFit/>
-          </a:bodyPr>
-          <a:lstStyle/>
-          <a:p>
-            <a:pPr marL="457200" lvl="0" indent="-311150" algn="l" rtl="0">
+          <a:bodyPr anchor="ctr"/>
+          <a:lstStyle>
+            <a:lvl1pPr algn="ctr" defTabSz="914400" rtl="0">
               <a:lnSpc>
-                <a:spcPct val="150000"/>
+                <a:spcPct val="90000"/>
               </a:lnSpc>
               <a:spcBef>
                 <a:spcPts val="0"/>
               </a:spcBef>
-              <a:spcAft>
-                <a:spcPts val="0"/>
-              </a:spcAft>
-              <a:buClr>
-                <a:schemeClr val="dk1"/>
-              </a:buClr>
-              <a:buSzPts val="1300"/>
-              <a:buChar char="➔"/>
+              <a:buNone/>
+              <a:defRPr sz="4400">
+                <a:solidFill>
+                  <a:schemeClr val="tx1"/>
+                </a:solidFill>
+                <a:latin typeface="+mj-lt"/>
+                <a:ea typeface="+mj-ea"/>
+                <a:cs typeface="+mj-cs"/>
+              </a:defRPr>
+            </a:lvl1pPr>
+          </a:lstStyle>
+          <a:p>
+            <a:pPr>
+              <a:lnSpc>
+                <a:spcPct val="100000"/>
+              </a:lnSpc>
               <a:defRPr/>
             </a:pPr>
             <a:r>
-              <a:rPr lang="ru" sz="1300">
-                <a:solidFill>
-                  <a:schemeClr val="dk1"/>
-                </a:solidFill>
-              </a:rPr>
-              <a:t>Когда вы добавляете изменения в ка</a:t>
-            </a:r>
-            <a:r>
-              <a:rPr lang="ru" sz="1300">
-                <a:solidFill>
-                  <a:schemeClr val="dk1"/>
-                </a:solidFill>
-              </a:rPr>
-              <a:t>к</a:t>
-            </a:r>
-            <a:r>
-              <a:rPr lang="ru" sz="1300">
-                <a:solidFill>
-                  <a:schemeClr val="dk1"/>
-                </a:solidFill>
-              </a:rPr>
-              <a:t>ую-то ветку чаще всего появляется всплывающее окно с предложением сравнить ветки создать Pull request.</a:t>
-            </a:r>
-            <a:endParaRPr sz="1300">
-              <a:solidFill>
-                <a:schemeClr val="dk1"/>
-              </a:solidFill>
-            </a:endParaRPr>
-          </a:p>
-          <a:p>
-            <a:pPr marL="457200" lvl="0" indent="-311150" algn="l" rtl="0">
-              <a:lnSpc>
-                <a:spcPct val="150000"/>
-              </a:lnSpc>
-              <a:spcBef>
-                <a:spcPts val="1200"/>
-              </a:spcBef>
-              <a:spcAft>
-                <a:spcPts val="1200"/>
-              </a:spcAft>
-              <a:buClr>
-                <a:schemeClr val="dk1"/>
-              </a:buClr>
-              <a:buSzPts val="1300"/>
-              <a:buChar char="➔"/>
-              <a:defRPr/>
-            </a:pPr>
-            <a:r>
-              <a:rPr lang="ru" sz="1300">
-                <a:solidFill>
-                  <a:schemeClr val="dk1"/>
-                </a:solidFill>
-              </a:rPr>
-              <a:t>Другой способ создать Pull request — на вкладке Pull requests нажать на кнопку «New pull request». </a:t>
-            </a:r>
-            <a:endParaRPr sz="1300">
-              <a:solidFill>
-                <a:schemeClr val="dk1"/>
-              </a:solidFill>
-            </a:endParaRPr>
+              <a:rPr lang="ru-RU" sz="2600" b="1"/>
+              <a:t>Шпаргалка полезных команд</a:t>
+            </a:r>
+            <a:endParaRPr sz="2600"/>
           </a:p>
         </p:txBody>
       </p:sp>
-      <p:pic>
-        <p:nvPicPr>
-          <p:cNvPr id="792595720" name="Google Shape;229;p27"/>
-          <p:cNvPicPr/>
-          <p:nvPr/>
-        </p:nvPicPr>
-        <p:blipFill rotWithShape="1">
-          <a:blip r:embed="rId4">
-            <a:alphaModFix/>
-          </a:blip>
-          <a:srcRect l="0" t="0" r="0" b="0"/>
-          <a:stretch/>
-        </p:blipFill>
-        <p:spPr bwMode="auto">
-          <a:xfrm>
-            <a:off x="434600" y="3089962"/>
-            <a:ext cx="8143200" cy="1365688"/>
-          </a:xfrm>
-          <a:prstGeom prst="rect">
-            <a:avLst/>
-          </a:prstGeom>
-          <a:noFill/>
-          <a:ln>
-            <a:noFill/>
-          </a:ln>
-        </p:spPr>
-      </p:pic>
     </p:spTree>
   </p:cSld>
   <p:clrMapOvr>
@@ -9819,7 +9871,7 @@
       </p:grpSpPr>
       <p:pic>
         <p:nvPicPr>
-          <p:cNvPr id="186046573" name="Google Shape;234;p28"/>
+          <p:cNvPr id="1195374452" name="Google Shape;226;p27"/>
           <p:cNvPicPr/>
           <p:nvPr/>
         </p:nvPicPr>
@@ -9827,13 +9879,13 @@
           <a:blip r:embed="rId3">
             <a:alphaModFix/>
           </a:blip>
-          <a:srcRect l="22197" t="0" r="0" b="52498"/>
+          <a:srcRect l="-849" t="-51" r="9533" b="57488"/>
           <a:stretch/>
         </p:blipFill>
         <p:spPr bwMode="auto">
-          <a:xfrm flipH="1">
-            <a:off x="5827100" y="3118301"/>
-            <a:ext cx="3316900" cy="2025200"/>
+          <a:xfrm rot="-5400000">
+            <a:off x="6392938" y="2392439"/>
+            <a:ext cx="3752950" cy="1749175"/>
           </a:xfrm>
           <a:prstGeom prst="rect">
             <a:avLst/>
@@ -9846,7 +9898,7 @@
       </p:pic>
       <p:sp>
         <p:nvSpPr>
-          <p:cNvPr id="1931885222" name="Google Shape;235;p28"/>
+          <p:cNvPr id="469721865" name="Google Shape;227;p27"/>
           <p:cNvSpPr txBox="1"/>
           <p:nvPr/>
         </p:nvSpPr>
@@ -9903,14 +9955,14 @@
       </p:sp>
       <p:sp>
         <p:nvSpPr>
-          <p:cNvPr id="1806465910" name="Google Shape;236;p28"/>
+          <p:cNvPr id="380663081" name="Google Shape;228;p27"/>
           <p:cNvSpPr txBox="1"/>
           <p:nvPr/>
         </p:nvSpPr>
         <p:spPr bwMode="auto">
           <a:xfrm>
             <a:off x="352600" y="1350000"/>
-            <a:ext cx="8640900" cy="384900"/>
+            <a:ext cx="8640900" cy="1139100"/>
           </a:xfrm>
           <a:prstGeom prst="rect">
             <a:avLst/>
@@ -9949,7 +10001,55 @@
                   <a:schemeClr val="dk1"/>
                 </a:solidFill>
               </a:rPr>
-              <a:t>При создании Pull request важно правильно выбрать ветки источника и цели.</a:t>
+              <a:t>Когда вы добавляете изменения в ка</a:t>
+            </a:r>
+            <a:r>
+              <a:rPr lang="ru" sz="1300">
+                <a:solidFill>
+                  <a:schemeClr val="dk1"/>
+                </a:solidFill>
+              </a:rPr>
+              <a:t>к</a:t>
+            </a:r>
+            <a:r>
+              <a:rPr lang="ru" sz="1300">
+                <a:solidFill>
+                  <a:schemeClr val="dk1"/>
+                </a:solidFill>
+              </a:rPr>
+              <a:t>ую-то ветку чаще всего появляется всплывающее окно с предложением сравнить ветки создать Pull request.</a:t>
+            </a:r>
+            <a:endParaRPr sz="1300">
+              <a:solidFill>
+                <a:schemeClr val="dk1"/>
+              </a:solidFill>
+            </a:endParaRPr>
+          </a:p>
+          <a:p>
+            <a:pPr marL="457200" lvl="0" indent="-311150" algn="l" rtl="0">
+              <a:lnSpc>
+                <a:spcPct val="150000"/>
+              </a:lnSpc>
+              <a:spcBef>
+                <a:spcPts val="1200"/>
+              </a:spcBef>
+              <a:spcAft>
+                <a:spcPts val="1200"/>
+              </a:spcAft>
+              <a:buClr>
+                <a:schemeClr val="dk1"/>
+              </a:buClr>
+              <a:buSzPts val="1300"/>
+              <a:buChar char="➔"/>
+              <a:defRPr/>
+            </a:pPr>
+            <a:r>
+              <a:rPr lang="ru" sz="1300">
+                <a:solidFill>
+                  <a:schemeClr val="dk1"/>
+                </a:solidFill>
+              </a:rPr>
+              <a:t>Другой способ создать Pull request — на вкладке Pull requests нажать на кнопку «New pull request». </a:t>
             </a:r>
             <a:endParaRPr sz="1300">
               <a:solidFill>
@@ -9961,7 +10061,7 @@
       </p:sp>
       <p:pic>
         <p:nvPicPr>
-          <p:cNvPr id="1182409071" name="Google Shape;237;p28"/>
+          <p:cNvPr id="1273808457" name="Google Shape;229;p27"/>
           <p:cNvPicPr/>
           <p:nvPr/>
         </p:nvPicPr>
@@ -9974,8 +10074,8 @@
         </p:blipFill>
         <p:spPr bwMode="auto">
           <a:xfrm>
-            <a:off x="471700" y="2305175"/>
-            <a:ext cx="8200599" cy="2103800"/>
+            <a:off x="434600" y="3089962"/>
+            <a:ext cx="8143200" cy="1365688"/>
           </a:xfrm>
           <a:prstGeom prst="rect">
             <a:avLst/>
@@ -10019,9 +10119,36 @@
           <a:chExt cx="0" cy="0"/>
         </a:xfrm>
       </p:grpSpPr>
+      <p:pic>
+        <p:nvPicPr>
+          <p:cNvPr id="2065524239" name="Google Shape;234;p28"/>
+          <p:cNvPicPr/>
+          <p:nvPr/>
+        </p:nvPicPr>
+        <p:blipFill rotWithShape="1">
+          <a:blip r:embed="rId3">
+            <a:alphaModFix/>
+          </a:blip>
+          <a:srcRect l="22197" t="0" r="0" b="52498"/>
+          <a:stretch/>
+        </p:blipFill>
+        <p:spPr bwMode="auto">
+          <a:xfrm flipH="1">
+            <a:off x="5827100" y="3118301"/>
+            <a:ext cx="3316900" cy="2025200"/>
+          </a:xfrm>
+          <a:prstGeom prst="rect">
+            <a:avLst/>
+          </a:prstGeom>
+          <a:noFill/>
+          <a:ln>
+            <a:noFill/>
+          </a:ln>
+        </p:spPr>
+      </p:pic>
       <p:sp>
         <p:nvSpPr>
-          <p:cNvPr id="1517650540" name="Google Shape;242;p29"/>
+          <p:cNvPr id="404933225" name="Google Shape;235;p28"/>
           <p:cNvSpPr txBox="1"/>
           <p:nvPr/>
         </p:nvSpPr>
@@ -10078,14 +10205,14 @@
       </p:sp>
       <p:sp>
         <p:nvSpPr>
-          <p:cNvPr id="317830591" name="Google Shape;243;p29"/>
+          <p:cNvPr id="459709249" name="Google Shape;236;p28"/>
           <p:cNvSpPr txBox="1"/>
           <p:nvPr/>
         </p:nvSpPr>
         <p:spPr bwMode="auto">
           <a:xfrm>
             <a:off x="352600" y="1350000"/>
-            <a:ext cx="8640900" cy="684900"/>
+            <a:ext cx="8640900" cy="384900"/>
           </a:xfrm>
           <a:prstGeom prst="rect">
             <a:avLst/>
@@ -10124,22 +10251,7 @@
                   <a:schemeClr val="dk1"/>
                 </a:solidFill>
               </a:rPr>
-              <a:t>В меню справа не забываем подписаться под своим ПР(Pull request) и выбрать того, </a:t>
-            </a:r>
-            <a:br>
-              <a:rPr lang="ru" sz="1300">
-                <a:solidFill>
-                  <a:schemeClr val="dk1"/>
-                </a:solidFill>
-              </a:rPr>
-            </a:br>
-            <a:r>
-              <a:rPr lang="ru" sz="1300">
-                <a:solidFill>
-                  <a:schemeClr val="dk1"/>
-                </a:solidFill>
-              </a:rPr>
-              <a:t>кто будеть делать ревью ваших изменений.</a:t>
+              <a:t>При создании Pull request важно правильно выбрать ветки источника и цели.</a:t>
             </a:r>
             <a:endParaRPr sz="1300">
               <a:solidFill>
@@ -10151,34 +10263,7 @@
       </p:sp>
       <p:pic>
         <p:nvPicPr>
-          <p:cNvPr id="1935591747" name="Google Shape;244;p29"/>
-          <p:cNvPicPr/>
-          <p:nvPr/>
-        </p:nvPicPr>
-        <p:blipFill rotWithShape="1">
-          <a:blip r:embed="rId3">
-            <a:alphaModFix/>
-          </a:blip>
-          <a:srcRect l="0" t="39" r="0" b="28"/>
-          <a:stretch/>
-        </p:blipFill>
-        <p:spPr bwMode="auto">
-          <a:xfrm>
-            <a:off x="450000" y="2318637"/>
-            <a:ext cx="3148275" cy="2123550"/>
-          </a:xfrm>
-          <a:prstGeom prst="rect">
-            <a:avLst/>
-          </a:prstGeom>
-          <a:noFill/>
-          <a:ln>
-            <a:noFill/>
-          </a:ln>
-        </p:spPr>
-      </p:pic>
-      <p:pic>
-        <p:nvPicPr>
-          <p:cNvPr id="260037266" name="Google Shape;245;p29"/>
+          <p:cNvPr id="2018503280" name="Google Shape;237;p28"/>
           <p:cNvPicPr/>
           <p:nvPr/>
         </p:nvPicPr>
@@ -10186,40 +10271,13 @@
           <a:blip r:embed="rId4">
             <a:alphaModFix/>
           </a:blip>
-          <a:srcRect l="139" t="0" r="138" b="0"/>
+          <a:srcRect l="0" t="0" r="0" b="0"/>
           <a:stretch/>
         </p:blipFill>
         <p:spPr bwMode="auto">
           <a:xfrm>
-            <a:off x="4032275" y="2305163"/>
-            <a:ext cx="3362552" cy="2150475"/>
-          </a:xfrm>
-          <a:prstGeom prst="rect">
-            <a:avLst/>
-          </a:prstGeom>
-          <a:noFill/>
-          <a:ln>
-            <a:noFill/>
-          </a:ln>
-        </p:spPr>
-      </p:pic>
-      <p:pic>
-        <p:nvPicPr>
-          <p:cNvPr id="2007224613" name="Google Shape;246;p29"/>
-          <p:cNvPicPr/>
-          <p:nvPr/>
-        </p:nvPicPr>
-        <p:blipFill rotWithShape="1">
-          <a:blip r:embed="rId5">
-            <a:alphaModFix/>
-          </a:blip>
-          <a:srcRect l="-849" t="-51" r="9533" b="57488"/>
-          <a:stretch/>
-        </p:blipFill>
-        <p:spPr bwMode="auto">
-          <a:xfrm rot="-5400000">
-            <a:off x="6392938" y="2392439"/>
-            <a:ext cx="3752950" cy="1749175"/>
+            <a:off x="471700" y="2305175"/>
+            <a:ext cx="8200599" cy="2103800"/>
           </a:xfrm>
           <a:prstGeom prst="rect">
             <a:avLst/>
@@ -10265,7 +10323,7 @@
       </p:grpSpPr>
       <p:sp>
         <p:nvSpPr>
-          <p:cNvPr id="2025130984" name="Google Shape;251;p30"/>
+          <p:cNvPr id="748166207" name="Google Shape;242;p29"/>
           <p:cNvSpPr txBox="1"/>
           <p:nvPr/>
         </p:nvSpPr>
@@ -10307,7 +10365,7 @@
                 <a:ea typeface="Montserrat Alternates"/>
                 <a:cs typeface="Montserrat Alternates"/>
               </a:rPr>
-              <a:t>Добавление ревьюеров</a:t>
+              <a:t>Создание Pull request</a:t>
             </a:r>
             <a:endParaRPr sz="3000" b="1">
               <a:solidFill>
@@ -10322,14 +10380,14 @@
       </p:sp>
       <p:sp>
         <p:nvSpPr>
-          <p:cNvPr id="1290115576" name="Google Shape;252;p30"/>
+          <p:cNvPr id="183932312" name="Google Shape;243;p29"/>
           <p:cNvSpPr txBox="1"/>
           <p:nvPr/>
         </p:nvSpPr>
         <p:spPr bwMode="auto">
           <a:xfrm>
-            <a:off x="352599" y="1350000"/>
-            <a:ext cx="8473979" cy="1074749"/>
+            <a:off x="352600" y="1350000"/>
+            <a:ext cx="8640900" cy="684900"/>
           </a:xfrm>
           <a:prstGeom prst="rect">
             <a:avLst/>
@@ -10368,15 +10426,22 @@
                   <a:schemeClr val="dk1"/>
                 </a:solidFill>
               </a:rPr>
-              <a:t>Чтобы получить возможность добавления ревьюеров из списка необходимо добавить в ваш репозиторий участников. Сделать это можно через вкладку Settings — Collaborators — Add people. В качестве приглашённого участника необходимо выбрать аккаунт </a:t>
-            </a:r>
-            <a:r>
-              <a:rPr lang="ru-RU" sz="1300">
+              <a:t>В меню справа не забываем подписаться под своим ПР(Pull request) и выбрать того, </a:t>
+            </a:r>
+            <a:br>
+              <a:rPr lang="ru" sz="1300">
                 <a:solidFill>
                   <a:schemeClr val="dk1"/>
                 </a:solidFill>
               </a:rPr>
-              <a:t>друга.</a:t>
+            </a:br>
+            <a:r>
+              <a:rPr lang="ru" sz="1300">
+                <a:solidFill>
+                  <a:schemeClr val="dk1"/>
+                </a:solidFill>
+              </a:rPr>
+              <a:t>кто будеть делать ревью ваших изменений.</a:t>
             </a:r>
             <a:endParaRPr sz="1300">
               <a:solidFill>
@@ -10388,7 +10453,7 @@
       </p:sp>
       <p:pic>
         <p:nvPicPr>
-          <p:cNvPr id="893717319" name="Google Shape;253;p30"/>
+          <p:cNvPr id="1904392949" name="Google Shape;244;p29"/>
           <p:cNvPicPr/>
           <p:nvPr/>
         </p:nvPicPr>
@@ -10396,13 +10461,13 @@
           <a:blip r:embed="rId3">
             <a:alphaModFix/>
           </a:blip>
-          <a:srcRect l="-849" t="-51" r="9533" b="57488"/>
+          <a:srcRect l="0" t="39" r="0" b="28"/>
           <a:stretch/>
         </p:blipFill>
         <p:spPr bwMode="auto">
-          <a:xfrm rot="-5400000">
-            <a:off x="6392938" y="2392439"/>
-            <a:ext cx="3752950" cy="1749175"/>
+          <a:xfrm>
+            <a:off x="450000" y="2318637"/>
+            <a:ext cx="3148275" cy="2123550"/>
           </a:xfrm>
           <a:prstGeom prst="rect">
             <a:avLst/>
@@ -10415,7 +10480,7 @@
       </p:pic>
       <p:pic>
         <p:nvPicPr>
-          <p:cNvPr id="948268434" name="Google Shape;254;p30"/>
+          <p:cNvPr id="1600579199" name="Google Shape;245;p29"/>
           <p:cNvPicPr/>
           <p:nvPr/>
         </p:nvPicPr>
@@ -10423,12 +10488,13 @@
           <a:blip r:embed="rId4">
             <a:alphaModFix/>
           </a:blip>
+          <a:srcRect l="139" t="0" r="138" b="0"/>
           <a:stretch/>
         </p:blipFill>
         <p:spPr bwMode="auto">
           <a:xfrm>
-            <a:off x="450000" y="2669225"/>
-            <a:ext cx="3329999" cy="2086642"/>
+            <a:off x="4032275" y="2305163"/>
+            <a:ext cx="3362552" cy="2150475"/>
           </a:xfrm>
           <a:prstGeom prst="rect">
             <a:avLst/>
@@ -10441,7 +10507,7 @@
       </p:pic>
       <p:pic>
         <p:nvPicPr>
-          <p:cNvPr id="576316097" name="Google Shape;255;p30"/>
+          <p:cNvPr id="1264069312" name="Google Shape;246;p29"/>
           <p:cNvPicPr/>
           <p:nvPr/>
         </p:nvPicPr>
@@ -10449,12 +10515,13 @@
           <a:blip r:embed="rId5">
             <a:alphaModFix/>
           </a:blip>
+          <a:srcRect l="-849" t="-51" r="9533" b="57488"/>
           <a:stretch/>
         </p:blipFill>
         <p:spPr bwMode="auto">
-          <a:xfrm>
-            <a:off x="4225550" y="2669225"/>
-            <a:ext cx="4388648" cy="2086650"/>
+          <a:xfrm rot="-5400000">
+            <a:off x="6392938" y="2392439"/>
+            <a:ext cx="3752950" cy="1749175"/>
           </a:xfrm>
           <a:prstGeom prst="rect">
             <a:avLst/>
@@ -10500,7 +10567,7 @@
       </p:grpSpPr>
       <p:sp>
         <p:nvSpPr>
-          <p:cNvPr id="1087900773" name="Google Shape;260;p31"/>
+          <p:cNvPr id="1970193180" name="Google Shape;251;p30"/>
           <p:cNvSpPr txBox="1"/>
           <p:nvPr/>
         </p:nvSpPr>
@@ -10557,14 +10624,14 @@
       </p:sp>
       <p:sp>
         <p:nvSpPr>
-          <p:cNvPr id="532867979" name="Google Shape;261;p31"/>
+          <p:cNvPr id="1284107581" name="Google Shape;252;p30"/>
           <p:cNvSpPr txBox="1"/>
           <p:nvPr/>
         </p:nvSpPr>
         <p:spPr bwMode="auto">
           <a:xfrm>
-            <a:off x="352600" y="1350000"/>
-            <a:ext cx="8467500" cy="684900"/>
+            <a:off x="352599" y="1350000"/>
+            <a:ext cx="8473979" cy="1074749"/>
           </a:xfrm>
           <a:prstGeom prst="rect">
             <a:avLst/>
@@ -10603,22 +10670,15 @@
                   <a:schemeClr val="dk1"/>
                 </a:solidFill>
               </a:rPr>
-              <a:t>Теперь мы можем выбрать нашего ревьюера из списка. Выбранный вами ревьюер получит</a:t>
-            </a:r>
-            <a:br>
-              <a:rPr lang="ru" sz="1300">
+              <a:t>Чтобы получить возможность добавления ревьюеров из списка необходимо добавить в ваш репозиторий участников. Сделать это можно через вкладку Settings — Collaborators — Add people. В качестве приглашённого участника необходимо выбрать аккаунт </a:t>
+            </a:r>
+            <a:r>
+              <a:rPr lang="ru-RU" sz="1300">
                 <a:solidFill>
                   <a:schemeClr val="dk1"/>
                 </a:solidFill>
               </a:rPr>
-            </a:br>
-            <a:r>
-              <a:rPr lang="ru" sz="1300">
-                <a:solidFill>
-                  <a:schemeClr val="dk1"/>
-                </a:solidFill>
-              </a:rPr>
-              <a:t>на почту письмо с приглашением. </a:t>
+              <a:t>друга.</a:t>
             </a:r>
             <a:endParaRPr sz="1300">
               <a:solidFill>
@@ -10630,7 +10690,7 @@
       </p:sp>
       <p:pic>
         <p:nvPicPr>
-          <p:cNvPr id="1782343364" name="Google Shape;262;p31"/>
+          <p:cNvPr id="489501916" name="Google Shape;253;p30"/>
           <p:cNvPicPr/>
           <p:nvPr/>
         </p:nvPicPr>
@@ -10657,7 +10717,7 @@
       </p:pic>
       <p:pic>
         <p:nvPicPr>
-          <p:cNvPr id="878137620" name="Google Shape;263;p31"/>
+          <p:cNvPr id="2023484897" name="Google Shape;254;p30"/>
           <p:cNvPicPr/>
           <p:nvPr/>
         </p:nvPicPr>
@@ -10669,8 +10729,34 @@
         </p:blipFill>
         <p:spPr bwMode="auto">
           <a:xfrm>
-            <a:off x="450000" y="2305175"/>
-            <a:ext cx="3742938" cy="2150475"/>
+            <a:off x="450000" y="2669225"/>
+            <a:ext cx="3329999" cy="2086642"/>
+          </a:xfrm>
+          <a:prstGeom prst="rect">
+            <a:avLst/>
+          </a:prstGeom>
+          <a:noFill/>
+          <a:ln>
+            <a:noFill/>
+          </a:ln>
+        </p:spPr>
+      </p:pic>
+      <p:pic>
+        <p:nvPicPr>
+          <p:cNvPr id="749211517" name="Google Shape;255;p30"/>
+          <p:cNvPicPr/>
+          <p:nvPr/>
+        </p:nvPicPr>
+        <p:blipFill rotWithShape="1">
+          <a:blip r:embed="rId5">
+            <a:alphaModFix/>
+          </a:blip>
+          <a:stretch/>
+        </p:blipFill>
+        <p:spPr bwMode="auto">
+          <a:xfrm>
+            <a:off x="4225550" y="2669225"/>
+            <a:ext cx="4388648" cy="2086650"/>
           </a:xfrm>
           <a:prstGeom prst="rect">
             <a:avLst/>
@@ -10716,7 +10802,7 @@
       </p:grpSpPr>
       <p:sp>
         <p:nvSpPr>
-          <p:cNvPr id="1599137116" name="Google Shape;268;p32"/>
+          <p:cNvPr id="1875604530" name="Google Shape;260;p31"/>
           <p:cNvSpPr txBox="1"/>
           <p:nvPr/>
         </p:nvSpPr>
@@ -10758,7 +10844,7 @@
                 <a:ea typeface="Montserrat Alternates"/>
                 <a:cs typeface="Montserrat Alternates"/>
               </a:rPr>
-              <a:t>Создание Pull request</a:t>
+              <a:t>Добавление ревьюеров</a:t>
             </a:r>
             <a:endParaRPr sz="3000" b="1">
               <a:solidFill>
@@ -10773,14 +10859,14 @@
       </p:sp>
       <p:sp>
         <p:nvSpPr>
-          <p:cNvPr id="1724040807" name="Google Shape;269;p32"/>
+          <p:cNvPr id="1166434781" name="Google Shape;261;p31"/>
           <p:cNvSpPr txBox="1"/>
           <p:nvPr/>
         </p:nvSpPr>
         <p:spPr bwMode="auto">
           <a:xfrm>
             <a:off x="352600" y="1350000"/>
-            <a:ext cx="8640900" cy="384900"/>
+            <a:ext cx="8467500" cy="684900"/>
           </a:xfrm>
           <a:prstGeom prst="rect">
             <a:avLst/>
@@ -10819,7 +10905,22 @@
                   <a:schemeClr val="dk1"/>
                 </a:solidFill>
               </a:rPr>
-              <a:t>Во вкладке Conversation открытого ПР видна вся переписка по замечаниям, оставленным ревьюером.</a:t>
+              <a:t>Теперь мы можем выбрать нашего ревьюера из списка. Выбранный вами ревьюер получит</a:t>
+            </a:r>
+            <a:br>
+              <a:rPr lang="ru" sz="1300">
+                <a:solidFill>
+                  <a:schemeClr val="dk1"/>
+                </a:solidFill>
+              </a:rPr>
+            </a:br>
+            <a:r>
+              <a:rPr lang="ru" sz="1300">
+                <a:solidFill>
+                  <a:schemeClr val="dk1"/>
+                </a:solidFill>
+              </a:rPr>
+              <a:t>на почту письмо с приглашением. </a:t>
             </a:r>
             <a:endParaRPr sz="1300">
               <a:solidFill>
@@ -10831,7 +10932,7 @@
       </p:sp>
       <p:pic>
         <p:nvPicPr>
-          <p:cNvPr id="803321947" name="Google Shape;270;p32"/>
+          <p:cNvPr id="538233718" name="Google Shape;262;p31"/>
           <p:cNvPicPr/>
           <p:nvPr/>
         </p:nvPicPr>
@@ -10839,13 +10940,13 @@
           <a:blip r:embed="rId3">
             <a:alphaModFix/>
           </a:blip>
-          <a:srcRect l="22197" t="0" r="0" b="52498"/>
+          <a:srcRect l="-849" t="-51" r="9533" b="57488"/>
           <a:stretch/>
         </p:blipFill>
         <p:spPr bwMode="auto">
-          <a:xfrm flipH="1">
-            <a:off x="5827100" y="3118301"/>
-            <a:ext cx="3316900" cy="2025200"/>
+          <a:xfrm rot="-5400000">
+            <a:off x="6392938" y="2392439"/>
+            <a:ext cx="3752950" cy="1749175"/>
           </a:xfrm>
           <a:prstGeom prst="rect">
             <a:avLst/>
@@ -10858,7 +10959,7 @@
       </p:pic>
       <p:pic>
         <p:nvPicPr>
-          <p:cNvPr id="106760644" name="Google Shape;271;p32"/>
+          <p:cNvPr id="656050056" name="Google Shape;263;p31"/>
           <p:cNvPicPr/>
           <p:nvPr/>
         </p:nvPicPr>
@@ -10871,7 +10972,7 @@
         <p:spPr bwMode="auto">
           <a:xfrm>
             <a:off x="450000" y="2305175"/>
-            <a:ext cx="3664120" cy="2150475"/>
+            <a:ext cx="3742938" cy="2150475"/>
           </a:xfrm>
           <a:prstGeom prst="rect">
             <a:avLst/>
@@ -10917,7 +11018,7 @@
       </p:grpSpPr>
       <p:sp>
         <p:nvSpPr>
-          <p:cNvPr id="308884599" name="Google Shape;276;p33"/>
+          <p:cNvPr id="1207539171" name="Google Shape;268;p32"/>
           <p:cNvSpPr txBox="1"/>
           <p:nvPr/>
         </p:nvSpPr>
@@ -10974,14 +11075,14 @@
       </p:sp>
       <p:sp>
         <p:nvSpPr>
-          <p:cNvPr id="2076922271" name="Google Shape;277;p33"/>
+          <p:cNvPr id="1209118581" name="Google Shape;269;p32"/>
           <p:cNvSpPr txBox="1"/>
           <p:nvPr/>
         </p:nvSpPr>
         <p:spPr bwMode="auto">
           <a:xfrm>
             <a:off x="352600" y="1350000"/>
-            <a:ext cx="8640900" cy="684900"/>
+            <a:ext cx="8640900" cy="384900"/>
           </a:xfrm>
           <a:prstGeom prst="rect">
             <a:avLst/>
@@ -11020,7 +11121,7 @@
                   <a:schemeClr val="dk1"/>
                 </a:solidFill>
               </a:rPr>
-              <a:t>Во вкладке Files Changed — все изменения, которые вы сделали в новой ветке относительно целевой. Здесь же производится ревью и оставляются замечания.</a:t>
+              <a:t>Во вкладке Conversation открытого ПР видна вся переписка по замечаниям, оставленным ревьюером.</a:t>
             </a:r>
             <a:endParaRPr sz="1300">
               <a:solidFill>
@@ -11032,7 +11133,7 @@
       </p:sp>
       <p:pic>
         <p:nvPicPr>
-          <p:cNvPr id="770354519" name="Google Shape;278;p33"/>
+          <p:cNvPr id="1779315822" name="Google Shape;270;p32"/>
           <p:cNvPicPr/>
           <p:nvPr/>
         </p:nvPicPr>
@@ -11040,13 +11141,13 @@
           <a:blip r:embed="rId3">
             <a:alphaModFix/>
           </a:blip>
-          <a:srcRect l="238" t="0" r="248" b="0"/>
+          <a:srcRect l="22197" t="0" r="0" b="52498"/>
           <a:stretch/>
         </p:blipFill>
         <p:spPr bwMode="auto">
-          <a:xfrm>
-            <a:off x="450000" y="2305175"/>
-            <a:ext cx="3616316" cy="2150476"/>
+          <a:xfrm flipH="1">
+            <a:off x="5827100" y="3118301"/>
+            <a:ext cx="3316900" cy="2025200"/>
           </a:xfrm>
           <a:prstGeom prst="rect">
             <a:avLst/>
@@ -11059,7 +11160,7 @@
       </p:pic>
       <p:pic>
         <p:nvPicPr>
-          <p:cNvPr id="2141474942" name="Google Shape;279;p33"/>
+          <p:cNvPr id="460777980" name="Google Shape;271;p32"/>
           <p:cNvPicPr/>
           <p:nvPr/>
         </p:nvPicPr>
@@ -11067,13 +11168,12 @@
           <a:blip r:embed="rId4">
             <a:alphaModFix/>
           </a:blip>
-          <a:srcRect l="22197" t="0" r="0" b="52498"/>
           <a:stretch/>
         </p:blipFill>
         <p:spPr bwMode="auto">
-          <a:xfrm flipH="1">
-            <a:off x="5827100" y="3118301"/>
-            <a:ext cx="3316900" cy="2025200"/>
+          <a:xfrm>
+            <a:off x="450000" y="2305175"/>
+            <a:ext cx="3664120" cy="2150475"/>
           </a:xfrm>
           <a:prstGeom prst="rect">
             <a:avLst/>
@@ -11119,7 +11219,7 @@
       </p:grpSpPr>
       <p:sp>
         <p:nvSpPr>
-          <p:cNvPr id="936688304" name="Прямоугольник 3"/>
+          <p:cNvPr id="628164186" name="Прямоугольник 3"/>
           <p:cNvSpPr/>
           <p:nvPr/>
         </p:nvSpPr>
@@ -11157,7 +11257,7 @@
       </p:sp>
       <p:sp>
         <p:nvSpPr>
-          <p:cNvPr id="1283120439" name="TextBox 4"/>
+          <p:cNvPr id="1205645694" name="TextBox 4"/>
           <p:cNvSpPr txBox="1"/>
           <p:nvPr/>
         </p:nvSpPr>
@@ -11198,7 +11298,7 @@
       </p:sp>
       <p:pic>
         <p:nvPicPr>
-          <p:cNvPr id="2057348172" name="Рисунок 5"/>
+          <p:cNvPr id="324447930" name="Рисунок 5"/>
           <p:cNvPicPr>
             <a:picLocks noChangeAspect="1"/>
           </p:cNvPicPr>
@@ -11221,7 +11321,7 @@
       </p:pic>
       <p:sp>
         <p:nvSpPr>
-          <p:cNvPr id="2082732473" name="Заголовок 1"/>
+          <p:cNvPr id="661799471" name="Заголовок 1"/>
           <p:cNvSpPr txBox="1"/>
           <p:nvPr/>
         </p:nvSpPr>
@@ -11271,6 +11371,208 @@
           </a:p>
         </p:txBody>
       </p:sp>
+    </p:spTree>
+  </p:cSld>
+  <p:clrMapOvr>
+    <a:masterClrMapping/>
+  </p:clrMapOvr>
+  <mc:AlternateContent xmlns:mc="http://schemas.openxmlformats.org/markup-compatibility/2006">
+    <mc:Choice xmlns:p159="http://schemas.microsoft.com/office/powerpoint/2015/09/main" xmlns:p14="http://schemas.microsoft.com/office/powerpoint/2010/main" Requires="p159">
+      <p:transition p14:dur="2000" advClick="1"/>
+    </mc:Choice>
+    <mc:Fallback>
+      <p:transition advClick="1"/>
+    </mc:Fallback>
+  </mc:AlternateContent>
+</p:sld>
+</file>
+
+<file path=ppt/slides/slide20.xml><?xml version="1.0" encoding="utf-8"?>
+<p:sld xmlns:a="http://schemas.openxmlformats.org/drawingml/2006/main" xmlns:r="http://schemas.openxmlformats.org/officeDocument/2006/relationships" xmlns:p="http://schemas.openxmlformats.org/presentationml/2006/main" xmlns:m="http://schemas.openxmlformats.org/officeDocument/2006/math" xmlns:w="http://schemas.openxmlformats.org/wordprocessingml/2006/main" xmlns:mc="http://schemas.openxmlformats.org/markup-compatibility/2006" showMasterPhAnim="0" showMasterSp="1" show="1">
+  <p:cSld name="">
+    <p:spTree>
+      <p:nvGrpSpPr>
+        <p:cNvPr id="1" name=""/>
+        <p:cNvGrpSpPr/>
+        <p:nvPr/>
+      </p:nvGrpSpPr>
+      <p:grpSpPr bwMode="auto">
+        <a:xfrm>
+          <a:off x="0" y="0"/>
+          <a:ext cx="0" cy="0"/>
+          <a:chOff x="0" y="0"/>
+          <a:chExt cx="0" cy="0"/>
+        </a:xfrm>
+      </p:grpSpPr>
+      <p:sp>
+        <p:nvSpPr>
+          <p:cNvPr id="2105647875" name="Google Shape;276;p33"/>
+          <p:cNvSpPr txBox="1"/>
+          <p:nvPr/>
+        </p:nvSpPr>
+        <p:spPr bwMode="auto">
+          <a:xfrm>
+            <a:off x="352600" y="608750"/>
+            <a:ext cx="8143200" cy="706800"/>
+          </a:xfrm>
+          <a:prstGeom prst="rect">
+            <a:avLst/>
+          </a:prstGeom>
+          <a:noFill/>
+          <a:ln>
+            <a:noFill/>
+          </a:ln>
+        </p:spPr>
+        <p:txBody>
+          <a:bodyPr spcFirstLastPara="1" wrap="square" lIns="91425" tIns="91425" rIns="91425" bIns="91425" anchor="t" anchorCtr="0">
+            <a:noAutofit/>
+          </a:bodyPr>
+          <a:lstStyle/>
+          <a:p>
+            <a:pPr marL="0" lvl="0" indent="0" algn="l" rtl="0">
+              <a:spcBef>
+                <a:spcPts val="0"/>
+              </a:spcBef>
+              <a:spcAft>
+                <a:spcPts val="0"/>
+              </a:spcAft>
+              <a:buNone/>
+              <a:defRPr/>
+            </a:pPr>
+            <a:r>
+              <a:rPr lang="ru" sz="3000" b="1">
+                <a:solidFill>
+                  <a:srgbClr val="1A2028"/>
+                </a:solidFill>
+                <a:latin typeface="Montserrat Alternates"/>
+                <a:ea typeface="Montserrat Alternates"/>
+                <a:cs typeface="Montserrat Alternates"/>
+              </a:rPr>
+              <a:t>Создание Pull request</a:t>
+            </a:r>
+            <a:endParaRPr sz="3000" b="1">
+              <a:solidFill>
+                <a:srgbClr val="1A2028"/>
+              </a:solidFill>
+              <a:latin typeface="Montserrat Alternates"/>
+              <a:ea typeface="Montserrat Alternates"/>
+              <a:cs typeface="Montserrat Alternates"/>
+            </a:endParaRPr>
+          </a:p>
+        </p:txBody>
+      </p:sp>
+      <p:sp>
+        <p:nvSpPr>
+          <p:cNvPr id="1826957443" name="Google Shape;277;p33"/>
+          <p:cNvSpPr txBox="1"/>
+          <p:nvPr/>
+        </p:nvSpPr>
+        <p:spPr bwMode="auto">
+          <a:xfrm>
+            <a:off x="352600" y="1350000"/>
+            <a:ext cx="8640900" cy="684900"/>
+          </a:xfrm>
+          <a:prstGeom prst="rect">
+            <a:avLst/>
+          </a:prstGeom>
+          <a:noFill/>
+          <a:ln>
+            <a:noFill/>
+          </a:ln>
+        </p:spPr>
+        <p:txBody>
+          <a:bodyPr spcFirstLastPara="1" wrap="square" lIns="91425" tIns="91425" rIns="91425" bIns="91425" anchor="t" anchorCtr="0">
+            <a:spAutoFit/>
+          </a:bodyPr>
+          <a:lstStyle/>
+          <a:p>
+            <a:pPr marL="457200" lvl="0" indent="-311150" algn="l" rtl="0">
+              <a:lnSpc>
+                <a:spcPct val="150000"/>
+              </a:lnSpc>
+              <a:spcBef>
+                <a:spcPts val="0"/>
+              </a:spcBef>
+              <a:spcAft>
+                <a:spcPts val="0"/>
+              </a:spcAft>
+              <a:buClr>
+                <a:schemeClr val="dk1"/>
+              </a:buClr>
+              <a:buSzPts val="1300"/>
+              <a:buChar char="➔"/>
+              <a:defRPr/>
+            </a:pPr>
+            <a:r>
+              <a:rPr lang="ru" sz="1300">
+                <a:solidFill>
+                  <a:schemeClr val="dk1"/>
+                </a:solidFill>
+              </a:rPr>
+              <a:t>Во вкладке Files Changed — все изменения, которые вы сделали в новой ветке относительно целевой. Здесь же производится ревью и оставляются замечания.</a:t>
+            </a:r>
+            <a:endParaRPr sz="1300">
+              <a:solidFill>
+                <a:schemeClr val="dk1"/>
+              </a:solidFill>
+            </a:endParaRPr>
+          </a:p>
+        </p:txBody>
+      </p:sp>
+      <p:pic>
+        <p:nvPicPr>
+          <p:cNvPr id="1103029369" name="Google Shape;278;p33"/>
+          <p:cNvPicPr/>
+          <p:nvPr/>
+        </p:nvPicPr>
+        <p:blipFill rotWithShape="1">
+          <a:blip r:embed="rId3">
+            <a:alphaModFix/>
+          </a:blip>
+          <a:srcRect l="238" t="0" r="248" b="0"/>
+          <a:stretch/>
+        </p:blipFill>
+        <p:spPr bwMode="auto">
+          <a:xfrm>
+            <a:off x="450000" y="2305175"/>
+            <a:ext cx="3616316" cy="2150476"/>
+          </a:xfrm>
+          <a:prstGeom prst="rect">
+            <a:avLst/>
+          </a:prstGeom>
+          <a:noFill/>
+          <a:ln>
+            <a:noFill/>
+          </a:ln>
+        </p:spPr>
+      </p:pic>
+      <p:pic>
+        <p:nvPicPr>
+          <p:cNvPr id="2144771866" name="Google Shape;279;p33"/>
+          <p:cNvPicPr/>
+          <p:nvPr/>
+        </p:nvPicPr>
+        <p:blipFill rotWithShape="1">
+          <a:blip r:embed="rId4">
+            <a:alphaModFix/>
+          </a:blip>
+          <a:srcRect l="22197" t="0" r="0" b="52498"/>
+          <a:stretch/>
+        </p:blipFill>
+        <p:spPr bwMode="auto">
+          <a:xfrm flipH="1">
+            <a:off x="5827100" y="3118301"/>
+            <a:ext cx="3316900" cy="2025200"/>
+          </a:xfrm>
+          <a:prstGeom prst="rect">
+            <a:avLst/>
+          </a:prstGeom>
+          <a:noFill/>
+          <a:ln>
+            <a:noFill/>
+          </a:ln>
+        </p:spPr>
+      </p:pic>
     </p:spTree>
   </p:cSld>
   <p:clrMapOvr>
@@ -11306,7 +11608,7 @@
       </p:grpSpPr>
       <p:sp>
         <p:nvSpPr>
-          <p:cNvPr id="51659472" name="Заголовок 1"/>
+          <p:cNvPr id="511853062" name="Заголовок 1"/>
           <p:cNvSpPr txBox="1"/>
           <p:nvPr/>
         </p:nvSpPr>
@@ -11358,7 +11660,7 @@
       </p:sp>
       <p:sp>
         <p:nvSpPr>
-          <p:cNvPr id="1737267533" name="Прямоугольник 2"/>
+          <p:cNvPr id="435171615" name="Прямоугольник 2"/>
           <p:cNvSpPr/>
           <p:nvPr/>
         </p:nvSpPr>
@@ -11396,7 +11698,7 @@
       </p:sp>
       <p:sp>
         <p:nvSpPr>
-          <p:cNvPr id="1504678040" name="TextBox 3"/>
+          <p:cNvPr id="197579624" name="TextBox 3"/>
           <p:cNvSpPr txBox="1"/>
           <p:nvPr/>
         </p:nvSpPr>
@@ -11610,7 +11912,7 @@
       </p:sp>
       <p:sp>
         <p:nvSpPr>
-          <p:cNvPr id="17540022" name="Прямоугольник 4"/>
+          <p:cNvPr id="707677136" name="Прямоугольник 4"/>
           <p:cNvSpPr/>
           <p:nvPr/>
         </p:nvSpPr>
@@ -11657,7 +11959,7 @@
       </p:sp>
       <p:sp>
         <p:nvSpPr>
-          <p:cNvPr id="197478497" name="Прямоугольник 5"/>
+          <p:cNvPr id="1904667102" name="Прямоугольник 5"/>
           <p:cNvSpPr/>
           <p:nvPr/>
         </p:nvSpPr>
@@ -11734,7 +12036,7 @@
       </p:grpSpPr>
       <p:sp>
         <p:nvSpPr>
-          <p:cNvPr id="1006870564" name="Прямоугольник 2"/>
+          <p:cNvPr id="1800445489" name="Прямоугольник 2"/>
           <p:cNvSpPr/>
           <p:nvPr/>
         </p:nvSpPr>
@@ -11772,7 +12074,7 @@
       </p:sp>
       <p:sp>
         <p:nvSpPr>
-          <p:cNvPr id="1435587907" name="Прямоугольник 4"/>
+          <p:cNvPr id="557526084" name="Прямоугольник 4"/>
           <p:cNvSpPr/>
           <p:nvPr/>
         </p:nvSpPr>
@@ -11823,7 +12125,7 @@
       </p:sp>
       <p:sp>
         <p:nvSpPr>
-          <p:cNvPr id="2029684257" name="Прямоугольник 5"/>
+          <p:cNvPr id="1588410470" name="Прямоугольник 5"/>
           <p:cNvSpPr/>
           <p:nvPr/>
         </p:nvSpPr>
@@ -11871,7 +12173,7 @@
       </p:sp>
       <p:sp>
         <p:nvSpPr>
-          <p:cNvPr id="727784296" name="Заголовок 1"/>
+          <p:cNvPr id="796599733" name="Заголовок 1"/>
           <p:cNvSpPr txBox="1"/>
           <p:nvPr/>
         </p:nvSpPr>
@@ -11923,7 +12225,7 @@
       </p:sp>
       <p:sp>
         <p:nvSpPr>
-          <p:cNvPr id="220967715" name="TextBox 3"/>
+          <p:cNvPr id="1381624023" name="TextBox 3"/>
           <p:cNvSpPr txBox="1"/>
           <p:nvPr/>
         </p:nvSpPr>
@@ -12075,7 +12377,7 @@
       </p:sp>
       <p:sp>
         <p:nvSpPr>
-          <p:cNvPr id="257096917" name="Прямоугольник 5"/>
+          <p:cNvPr id="142440498" name="Прямоугольник 5"/>
           <p:cNvSpPr/>
           <p:nvPr/>
         </p:nvSpPr>
@@ -12148,7 +12450,7 @@
       </p:grpSpPr>
       <p:sp>
         <p:nvSpPr>
-          <p:cNvPr id="1912187042" name="Google Shape;144;p18"/>
+          <p:cNvPr id="2008923185" name="Google Shape;144;p18"/>
           <p:cNvSpPr txBox="1"/>
           <p:nvPr/>
         </p:nvSpPr>
@@ -12205,7 +12507,7 @@
       </p:sp>
       <p:sp>
         <p:nvSpPr>
-          <p:cNvPr id="1424053726" name="Google Shape;145;p18"/>
+          <p:cNvPr id="681612103" name="Google Shape;145;p18"/>
           <p:cNvSpPr txBox="1"/>
           <p:nvPr/>
         </p:nvSpPr>
@@ -12295,7 +12597,7 @@
       </p:sp>
       <p:pic>
         <p:nvPicPr>
-          <p:cNvPr id="763966689" name="Google Shape;146;p18"/>
+          <p:cNvPr id="2095746477" name="Google Shape;146;p18"/>
           <p:cNvPicPr/>
           <p:nvPr/>
         </p:nvPicPr>
@@ -12322,7 +12624,7 @@
       </p:pic>
       <p:pic>
         <p:nvPicPr>
-          <p:cNvPr id="583875275" name="Google Shape;147;p18"/>
+          <p:cNvPr id="1773498387" name="Google Shape;147;p18"/>
           <p:cNvPicPr/>
           <p:nvPr/>
         </p:nvPicPr>
@@ -12382,7 +12684,7 @@
       </p:grpSpPr>
       <p:sp>
         <p:nvSpPr>
-          <p:cNvPr id="333302718" name="Google Shape;152;p19"/>
+          <p:cNvPr id="257308191" name="Google Shape;152;p19"/>
           <p:cNvSpPr txBox="1"/>
           <p:nvPr/>
         </p:nvSpPr>
@@ -12460,7 +12762,7 @@
       </p:sp>
       <p:sp>
         <p:nvSpPr>
-          <p:cNvPr id="1324937216" name="Google Shape;153;p19"/>
+          <p:cNvPr id="1780035605" name="Google Shape;153;p19"/>
           <p:cNvSpPr txBox="1"/>
           <p:nvPr/>
         </p:nvSpPr>
@@ -12568,7 +12870,7 @@
       </p:sp>
       <p:pic>
         <p:nvPicPr>
-          <p:cNvPr id="1131354971" name="Google Shape;154;p19"/>
+          <p:cNvPr id="477514083" name="Google Shape;154;p19"/>
           <p:cNvPicPr/>
           <p:nvPr/>
         </p:nvPicPr>
@@ -12595,7 +12897,7 @@
       </p:pic>
       <p:pic>
         <p:nvPicPr>
-          <p:cNvPr id="1504174011" name="Google Shape;155;p19"/>
+          <p:cNvPr id="1910814529" name="Google Shape;155;p19"/>
           <p:cNvPicPr/>
           <p:nvPr/>
         </p:nvPicPr>
@@ -12655,7 +12957,7 @@
       </p:grpSpPr>
       <p:pic>
         <p:nvPicPr>
-          <p:cNvPr id="635960572" name="Google Shape;160;p20"/>
+          <p:cNvPr id="575363674" name="Google Shape;160;p20"/>
           <p:cNvPicPr/>
           <p:nvPr/>
         </p:nvPicPr>
@@ -12682,7 +12984,7 @@
       </p:pic>
       <p:sp>
         <p:nvSpPr>
-          <p:cNvPr id="360099443" name="Google Shape;161;p20"/>
+          <p:cNvPr id="110635357" name="Google Shape;161;p20"/>
           <p:cNvSpPr txBox="1"/>
           <p:nvPr/>
         </p:nvSpPr>
@@ -12787,7 +13089,7 @@
       </p:sp>
       <p:pic>
         <p:nvPicPr>
-          <p:cNvPr id="718294393" name="Google Shape;162;p20"/>
+          <p:cNvPr id="385838002" name="Google Shape;162;p20"/>
           <p:cNvPicPr/>
           <p:nvPr/>
         </p:nvPicPr>
@@ -12814,7 +13116,7 @@
       </p:pic>
       <p:sp>
         <p:nvSpPr>
-          <p:cNvPr id="316520626" name="Google Shape;163;p20"/>
+          <p:cNvPr id="595141087" name="Google Shape;163;p20"/>
           <p:cNvSpPr txBox="1"/>
           <p:nvPr/>
         </p:nvSpPr>
@@ -12925,7 +13227,7 @@
       </p:grpSpPr>
       <p:pic>
         <p:nvPicPr>
-          <p:cNvPr id="1970188729" name="Google Shape;168;p21"/>
+          <p:cNvPr id="1960613887" name="Google Shape;168;p21"/>
           <p:cNvPicPr/>
           <p:nvPr/>
         </p:nvPicPr>
@@ -12952,7 +13254,7 @@
       </p:pic>
       <p:sp>
         <p:nvSpPr>
-          <p:cNvPr id="1105570767" name="Google Shape;169;p21"/>
+          <p:cNvPr id="1512170283" name="Google Shape;169;p21"/>
           <p:cNvSpPr txBox="1"/>
           <p:nvPr/>
         </p:nvSpPr>
@@ -13030,7 +13332,7 @@
       </p:sp>
       <p:sp>
         <p:nvSpPr>
-          <p:cNvPr id="32118466" name="Google Shape;170;p21"/>
+          <p:cNvPr id="1670433638" name="Google Shape;170;p21"/>
           <p:cNvSpPr txBox="1"/>
           <p:nvPr/>
         </p:nvSpPr>
@@ -13088,7 +13390,7 @@
       </p:sp>
       <p:pic>
         <p:nvPicPr>
-          <p:cNvPr id="2034089127" name="Google Shape;171;p21"/>
+          <p:cNvPr id="1632929485" name="Google Shape;171;p21"/>
           <p:cNvPicPr/>
           <p:nvPr/>
         </p:nvPicPr>
@@ -13148,7 +13450,7 @@
       </p:grpSpPr>
       <p:sp>
         <p:nvSpPr>
-          <p:cNvPr id="865502065" name="Google Shape;198;p24"/>
+          <p:cNvPr id="892737210" name="Google Shape;198;p24"/>
           <p:cNvSpPr txBox="1"/>
           <p:nvPr/>
         </p:nvSpPr>
@@ -13205,7 +13507,7 @@
       </p:sp>
       <p:sp>
         <p:nvSpPr>
-          <p:cNvPr id="53934994" name="Google Shape;199;p24"/>
+          <p:cNvPr id="665430231" name="Google Shape;199;p24"/>
           <p:cNvSpPr txBox="1"/>
           <p:nvPr/>
         </p:nvSpPr>
@@ -13263,7 +13565,7 @@
       </p:sp>
       <p:pic>
         <p:nvPicPr>
-          <p:cNvPr id="1433449037" name="Google Shape;200;p24"/>
+          <p:cNvPr id="1182571605" name="Google Shape;200;p24"/>
           <p:cNvPicPr/>
           <p:nvPr/>
         </p:nvPicPr>
@@ -13290,7 +13592,7 @@
       </p:pic>
       <p:pic>
         <p:nvPicPr>
-          <p:cNvPr id="1336515884" name="Google Shape;201;p24"/>
+          <p:cNvPr id="1066157376" name="Google Shape;201;p24"/>
           <p:cNvPicPr/>
           <p:nvPr/>
         </p:nvPicPr>
